--- a/CUISummerSchool2022.pptx
+++ b/CUISummerSchool2022.pptx
@@ -5,23 +5,24 @@
     <p:sldMasterId id="2147483660" r:id="rId1"/>
   </p:sldMasterIdLst>
   <p:notesMasterIdLst>
-    <p:notesMasterId r:id="rId13"/>
+    <p:notesMasterId r:id="rId14"/>
   </p:notesMasterIdLst>
   <p:handoutMasterIdLst>
-    <p:handoutMasterId r:id="rId14"/>
+    <p:handoutMasterId r:id="rId15"/>
   </p:handoutMasterIdLst>
   <p:sldIdLst>
     <p:sldId id="256" r:id="rId2"/>
     <p:sldId id="257" r:id="rId3"/>
     <p:sldId id="258" r:id="rId4"/>
     <p:sldId id="259" r:id="rId5"/>
-    <p:sldId id="260" r:id="rId6"/>
-    <p:sldId id="263" r:id="rId7"/>
-    <p:sldId id="262" r:id="rId8"/>
+    <p:sldId id="270" r:id="rId6"/>
+    <p:sldId id="271" r:id="rId7"/>
+    <p:sldId id="263" r:id="rId8"/>
     <p:sldId id="265" r:id="rId9"/>
-    <p:sldId id="264" r:id="rId10"/>
-    <p:sldId id="269" r:id="rId11"/>
-    <p:sldId id="268" r:id="rId12"/>
+    <p:sldId id="262" r:id="rId10"/>
+    <p:sldId id="264" r:id="rId11"/>
+    <p:sldId id="269" r:id="rId12"/>
+    <p:sldId id="268" r:id="rId13"/>
   </p:sldIdLst>
   <p:sldSz cx="9144000" cy="6858000" type="screen4x3"/>
   <p:notesSz cx="6858000" cy="9144000"/>
@@ -129,10 +130,11 @@
             <p14:sldId id="257"/>
             <p14:sldId id="258"/>
             <p14:sldId id="259"/>
-            <p14:sldId id="260"/>
+            <p14:sldId id="270"/>
+            <p14:sldId id="271"/>
             <p14:sldId id="263"/>
+            <p14:sldId id="265"/>
             <p14:sldId id="262"/>
-            <p14:sldId id="265"/>
             <p14:sldId id="264"/>
             <p14:sldId id="269"/>
             <p14:sldId id="268"/>
@@ -244,7 +246,7 @@
           <a:p>
             <a:fld id="{579813B8-F41F-4D5B-8B76-5E4C08DAE77F}" type="datetimeFigureOut">
               <a:rPr lang="en-US" smtClean="0"/>
-              <a:t>5/28/2022</a:t>
+              <a:t>6/1/2022</a:t>
             </a:fld>
             <a:endParaRPr lang="en-US"/>
           </a:p>
@@ -421,7 +423,7 @@
           <a:p>
             <a:fld id="{0DE72BCA-2FEC-4721-9E20-17F41C718F1F}" type="datetimeFigureOut">
               <a:rPr lang="en-US" smtClean="0"/>
-              <a:t>5/28/2022</a:t>
+              <a:t>6/1/2022</a:t>
             </a:fld>
             <a:endParaRPr lang="en-US"/>
           </a:p>
@@ -1119,7 +1121,7 @@
           <a:p>
             <a:fld id="{5793A2FF-16F1-4756-8B85-621010748842}" type="datetime1">
               <a:rPr lang="fr-CH" smtClean="0"/>
-              <a:t>28.05.2022</a:t>
+              <a:t>01.06.2022</a:t>
             </a:fld>
             <a:endParaRPr lang="fr-CH"/>
           </a:p>
@@ -1297,7 +1299,7 @@
           <a:p>
             <a:fld id="{EB10F633-830F-4617-A0A1-E4D650AE4EB6}" type="datetime1">
               <a:rPr lang="fr-CH" smtClean="0"/>
-              <a:t>28.05.2022</a:t>
+              <a:t>01.06.2022</a:t>
             </a:fld>
             <a:endParaRPr lang="fr-CH"/>
           </a:p>
@@ -1485,7 +1487,7 @@
           <a:p>
             <a:fld id="{E684FD40-D8E1-48FA-8D50-9AB76B66E9FD}" type="datetime1">
               <a:rPr lang="fr-CH" smtClean="0"/>
-              <a:t>28.05.2022</a:t>
+              <a:t>01.06.2022</a:t>
             </a:fld>
             <a:endParaRPr lang="fr-CH"/>
           </a:p>
@@ -1671,7 +1673,7 @@
           <a:p>
             <a:fld id="{62190C69-FE36-4CD2-A54A-AF0D1FB36C4C}" type="datetime1">
               <a:rPr lang="fr-CH" smtClean="0"/>
-              <a:t>28.05.2022</a:t>
+              <a:t>01.06.2022</a:t>
             </a:fld>
             <a:endParaRPr lang="fr-CH"/>
           </a:p>
@@ -1923,7 +1925,7 @@
           <a:p>
             <a:fld id="{4C0470B2-EA8A-4060-8A36-C07A012F9234}" type="datetime1">
               <a:rPr lang="fr-CH" smtClean="0"/>
-              <a:t>28.05.2022</a:t>
+              <a:t>01.06.2022</a:t>
             </a:fld>
             <a:endParaRPr lang="fr-CH"/>
           </a:p>
@@ -2169,7 +2171,7 @@
           <a:p>
             <a:fld id="{E3365CDA-EF0E-4B96-B2EC-96AD633B0A02}" type="datetime1">
               <a:rPr lang="fr-CH" noProof="0" smtClean="0"/>
-              <a:t>28.05.2022</a:t>
+              <a:t>01.06.2022</a:t>
             </a:fld>
             <a:endParaRPr lang="en-US" noProof="0"/>
           </a:p>
@@ -2544,7 +2546,7 @@
           <a:p>
             <a:fld id="{6D903AC5-39D9-4D1B-A48E-0CBD6BB2FFFE}" type="datetime1">
               <a:rPr lang="fr-CH" smtClean="0"/>
-              <a:t>28.05.2022</a:t>
+              <a:t>01.06.2022</a:t>
             </a:fld>
             <a:endParaRPr lang="fr-CH"/>
           </a:p>
@@ -2669,7 +2671,7 @@
           <a:p>
             <a:fld id="{2EEEAC24-8E42-44BE-A448-58D4F32FADBF}" type="datetime1">
               <a:rPr lang="fr-CH" noProof="0" smtClean="0"/>
-              <a:t>28.05.2022</a:t>
+              <a:t>01.06.2022</a:t>
             </a:fld>
             <a:endParaRPr lang="en-US" noProof="0"/>
           </a:p>
@@ -2772,7 +2774,7 @@
           <a:p>
             <a:fld id="{EBC9AE4A-2C0B-4B65-B3A4-D70BD402CA82}" type="datetime1">
               <a:rPr lang="fr-CH" smtClean="0"/>
-              <a:t>28.05.2022</a:t>
+              <a:t>01.06.2022</a:t>
             </a:fld>
             <a:endParaRPr lang="fr-CH"/>
           </a:p>
@@ -3057,7 +3059,7 @@
           <a:p>
             <a:fld id="{D6AC2835-F545-4157-95F5-8D67C0884740}" type="datetime1">
               <a:rPr lang="fr-CH" smtClean="0"/>
-              <a:t>28.05.2022</a:t>
+              <a:t>01.06.2022</a:t>
             </a:fld>
             <a:endParaRPr lang="fr-CH"/>
           </a:p>
@@ -3322,7 +3324,7 @@
           <a:p>
             <a:fld id="{180CE86D-4DC5-4927-A482-13236C168E21}" type="datetime1">
               <a:rPr lang="fr-CH" smtClean="0"/>
-              <a:t>28.05.2022</a:t>
+              <a:t>01.06.2022</a:t>
             </a:fld>
             <a:endParaRPr lang="fr-CH"/>
           </a:p>
@@ -3565,7 +3567,7 @@
           <a:p>
             <a:fld id="{A80E5190-148C-468B-A435-BBEB5E5496E2}" type="datetime1">
               <a:rPr lang="fr-CH" smtClean="0"/>
-              <a:t>28.05.2022</a:t>
+              <a:t>01.06.2022</a:t>
             </a:fld>
             <a:endParaRPr lang="fr-CH"/>
           </a:p>
@@ -4719,10 +4721,235 @@
   <p:clrMapOvr>
     <a:masterClrMapping/>
   </p:clrMapOvr>
+  <mc:AlternateContent xmlns:mc="http://schemas.openxmlformats.org/markup-compatibility/2006">
+    <mc:Choice xmlns:p159="http://schemas.microsoft.com/office/powerpoint/2015/09/main" Requires="p159">
+      <p:transition xmlns:p14="http://schemas.microsoft.com/office/powerpoint/2010/main" spd="slow" p14:dur="2000">
+        <p159:morph option="byObject"/>
+      </p:transition>
+    </mc:Choice>
+    <mc:Fallback>
+      <p:transition spd="slow">
+        <p:fade/>
+      </p:transition>
+    </mc:Fallback>
+  </mc:AlternateContent>
 </p:sld>
 </file>
 
 <file path=ppt/slides/slide10.xml><?xml version="1.0" encoding="utf-8"?>
+<p:sld xmlns:a="http://schemas.openxmlformats.org/drawingml/2006/main" xmlns:r="http://schemas.openxmlformats.org/officeDocument/2006/relationships" xmlns:p="http://schemas.openxmlformats.org/presentationml/2006/main">
+  <p:cSld>
+    <p:spTree>
+      <p:nvGrpSpPr>
+        <p:cNvPr id="1" name=""/>
+        <p:cNvGrpSpPr/>
+        <p:nvPr/>
+      </p:nvGrpSpPr>
+      <p:grpSpPr>
+        <a:xfrm>
+          <a:off x="0" y="0"/>
+          <a:ext cx="0" cy="0"/>
+          <a:chOff x="0" y="0"/>
+          <a:chExt cx="0" cy="0"/>
+        </a:xfrm>
+      </p:grpSpPr>
+      <p:sp>
+        <p:nvSpPr>
+          <p:cNvPr id="2" name="Titre 1">
+            <a:extLst>
+              <a:ext uri="{FF2B5EF4-FFF2-40B4-BE49-F238E27FC236}">
+                <a16:creationId xmlns:a16="http://schemas.microsoft.com/office/drawing/2014/main" id="{B3440702-5949-4F74-BA11-ECF16C762033}"/>
+              </a:ext>
+            </a:extLst>
+          </p:cNvPr>
+          <p:cNvSpPr>
+            <a:spLocks noGrp="1"/>
+          </p:cNvSpPr>
+          <p:nvPr>
+            <p:ph type="title"/>
+          </p:nvPr>
+        </p:nvSpPr>
+        <p:spPr/>
+        <p:txBody>
+          <a:bodyPr>
+            <a:normAutofit fontScale="90000"/>
+          </a:bodyPr>
+          <a:lstStyle/>
+          <a:p>
+            <a:r>
+              <a:rPr lang="en-US" dirty="0"/>
+              <a:t>Plotting library with window support</a:t>
+            </a:r>
+          </a:p>
+        </p:txBody>
+      </p:sp>
+      <p:sp>
+        <p:nvSpPr>
+          <p:cNvPr id="3" name="Espace réservé du contenu 2">
+            <a:extLst>
+              <a:ext uri="{FF2B5EF4-FFF2-40B4-BE49-F238E27FC236}">
+                <a16:creationId xmlns:a16="http://schemas.microsoft.com/office/drawing/2014/main" id="{A2D505E8-9B6E-4188-9CEF-FFB755AED837}"/>
+              </a:ext>
+            </a:extLst>
+          </p:cNvPr>
+          <p:cNvSpPr>
+            <a:spLocks noGrp="1"/>
+          </p:cNvSpPr>
+          <p:nvPr>
+            <p:ph sz="half" idx="1"/>
+          </p:nvPr>
+        </p:nvSpPr>
+        <p:spPr/>
+        <p:txBody>
+          <a:bodyPr>
+            <a:normAutofit/>
+          </a:bodyPr>
+          <a:lstStyle/>
+          <a:p>
+            <a:r>
+              <a:rPr lang="en-US" sz="2400" dirty="0"/>
+              <a:t>Matplotlib, </a:t>
+            </a:r>
+            <a:r>
+              <a:rPr lang="en-US" sz="2400" dirty="0" err="1"/>
+              <a:t>Makie.jl</a:t>
+            </a:r>
+            <a:endParaRPr lang="en-US" sz="2400" dirty="0"/>
+          </a:p>
+          <a:p>
+            <a:r>
+              <a:rPr lang="en-US" sz="2400" dirty="0"/>
+              <a:t>Full fledge widget system</a:t>
+            </a:r>
+          </a:p>
+          <a:p>
+            <a:r>
+              <a:rPr lang="en-US" sz="2400" dirty="0"/>
+              <a:t>Extensive event handling (e.g. selection of plot elements)</a:t>
+            </a:r>
+          </a:p>
+          <a:p>
+            <a:endParaRPr lang="en-US" sz="2400" dirty="0"/>
+          </a:p>
+          <a:p>
+            <a:endParaRPr lang="en-US" sz="2400" dirty="0"/>
+          </a:p>
+        </p:txBody>
+      </p:sp>
+      <p:pic>
+        <p:nvPicPr>
+          <p:cNvPr id="7" name="Espace réservé du contenu 6">
+            <a:extLst>
+              <a:ext uri="{FF2B5EF4-FFF2-40B4-BE49-F238E27FC236}">
+                <a16:creationId xmlns:a16="http://schemas.microsoft.com/office/drawing/2014/main" id="{5BCACB2F-C411-4682-8156-1622A79307CC}"/>
+              </a:ext>
+            </a:extLst>
+          </p:cNvPr>
+          <p:cNvPicPr>
+            <a:picLocks noGrp="1" noChangeAspect="1"/>
+          </p:cNvPicPr>
+          <p:nvPr>
+            <p:ph sz="half" idx="2"/>
+          </p:nvPr>
+        </p:nvPicPr>
+        <p:blipFill>
+          <a:blip r:embed="rId2"/>
+          <a:stretch>
+            <a:fillRect/>
+          </a:stretch>
+        </p:blipFill>
+        <p:spPr>
+          <a:xfrm>
+            <a:off x="4799697" y="1089114"/>
+            <a:ext cx="3316505" cy="2830842"/>
+          </a:xfrm>
+        </p:spPr>
+      </p:pic>
+      <p:sp>
+        <p:nvSpPr>
+          <p:cNvPr id="5" name="Espace réservé du numéro de diapositive 4">
+            <a:extLst>
+              <a:ext uri="{FF2B5EF4-FFF2-40B4-BE49-F238E27FC236}">
+                <a16:creationId xmlns:a16="http://schemas.microsoft.com/office/drawing/2014/main" id="{21AD673B-AEE6-4030-98ED-742A23BF6624}"/>
+              </a:ext>
+            </a:extLst>
+          </p:cNvPr>
+          <p:cNvSpPr>
+            <a:spLocks noGrp="1"/>
+          </p:cNvSpPr>
+          <p:nvPr>
+            <p:ph type="sldNum" sz="quarter" idx="12"/>
+          </p:nvPr>
+        </p:nvSpPr>
+        <p:spPr/>
+        <p:txBody>
+          <a:bodyPr/>
+          <a:lstStyle/>
+          <a:p>
+            <a:fld id="{C7BFCD0E-475B-4F56-BC96-63AB66DBA93E}" type="slidenum">
+              <a:rPr lang="en-US" noProof="0" smtClean="0"/>
+              <a:t>10</a:t>
+            </a:fld>
+            <a:endParaRPr lang="en-US" noProof="0"/>
+          </a:p>
+        </p:txBody>
+      </p:sp>
+      <p:pic>
+        <p:nvPicPr>
+          <p:cNvPr id="9" name="Image 8">
+            <a:extLst>
+              <a:ext uri="{FF2B5EF4-FFF2-40B4-BE49-F238E27FC236}">
+                <a16:creationId xmlns:a16="http://schemas.microsoft.com/office/drawing/2014/main" id="{7EC1942B-09D6-4D9E-AE0F-4D04A25E30C1}"/>
+              </a:ext>
+            </a:extLst>
+          </p:cNvPr>
+          <p:cNvPicPr>
+            <a:picLocks noChangeAspect="1"/>
+          </p:cNvPicPr>
+          <p:nvPr/>
+        </p:nvPicPr>
+        <p:blipFill>
+          <a:blip r:embed="rId3"/>
+          <a:stretch>
+            <a:fillRect/>
+          </a:stretch>
+        </p:blipFill>
+        <p:spPr>
+          <a:xfrm>
+            <a:off x="4799697" y="3912488"/>
+            <a:ext cx="3316504" cy="2656462"/>
+          </a:xfrm>
+          <a:prstGeom prst="rect">
+            <a:avLst/>
+          </a:prstGeom>
+        </p:spPr>
+      </p:pic>
+    </p:spTree>
+    <p:extLst>
+      <p:ext uri="{BB962C8B-B14F-4D97-AF65-F5344CB8AC3E}">
+        <p14:creationId xmlns:p14="http://schemas.microsoft.com/office/powerpoint/2010/main" val="2768817044"/>
+      </p:ext>
+    </p:extLst>
+  </p:cSld>
+  <p:clrMapOvr>
+    <a:masterClrMapping/>
+  </p:clrMapOvr>
+  <mc:AlternateContent xmlns:mc="http://schemas.openxmlformats.org/markup-compatibility/2006">
+    <mc:Choice xmlns:p159="http://schemas.microsoft.com/office/powerpoint/2015/09/main" Requires="p159">
+      <p:transition xmlns:p14="http://schemas.microsoft.com/office/powerpoint/2010/main" spd="slow" p14:dur="2000">
+        <p159:morph option="byObject"/>
+      </p:transition>
+    </mc:Choice>
+    <mc:Fallback>
+      <p:transition spd="slow">
+        <p:fade/>
+      </p:transition>
+    </mc:Fallback>
+  </mc:AlternateContent>
+</p:sld>
+</file>
+
+<file path=ppt/slides/slide11.xml><?xml version="1.0" encoding="utf-8"?>
 <p:sld xmlns:a="http://schemas.openxmlformats.org/drawingml/2006/main" xmlns:r="http://schemas.openxmlformats.org/officeDocument/2006/relationships" xmlns:p="http://schemas.openxmlformats.org/presentationml/2006/main">
   <p:cSld>
     <p:spTree>
@@ -4876,7 +5103,7 @@
           <a:p>
             <a:fld id="{C7BFCD0E-475B-4F56-BC96-63AB66DBA93E}" type="slidenum">
               <a:rPr lang="en-US" noProof="0" smtClean="0"/>
-              <a:t>10</a:t>
+              <a:t>11</a:t>
             </a:fld>
             <a:endParaRPr lang="en-US" noProof="0"/>
           </a:p>
@@ -4927,10 +5154,22 @@
   <p:clrMapOvr>
     <a:masterClrMapping/>
   </p:clrMapOvr>
+  <mc:AlternateContent xmlns:mc="http://schemas.openxmlformats.org/markup-compatibility/2006">
+    <mc:Choice xmlns:p159="http://schemas.microsoft.com/office/powerpoint/2015/09/main" Requires="p159">
+      <p:transition xmlns:p14="http://schemas.microsoft.com/office/powerpoint/2010/main" spd="slow" p14:dur="2000">
+        <p159:morph option="byObject"/>
+      </p:transition>
+    </mc:Choice>
+    <mc:Fallback>
+      <p:transition spd="slow">
+        <p:fade/>
+      </p:transition>
+    </mc:Fallback>
+  </mc:AlternateContent>
 </p:sld>
 </file>
 
-<file path=ppt/slides/slide11.xml><?xml version="1.0" encoding="utf-8"?>
+<file path=ppt/slides/slide12.xml><?xml version="1.0" encoding="utf-8"?>
 <p:sld xmlns:a="http://schemas.openxmlformats.org/drawingml/2006/main" xmlns:r="http://schemas.openxmlformats.org/officeDocument/2006/relationships" xmlns:p="http://schemas.openxmlformats.org/presentationml/2006/main">
   <p:cSld>
     <p:spTree>
@@ -4994,7 +5233,7 @@
         <p:spPr>
           <a:xfrm>
             <a:off x="628650" y="1825625"/>
-            <a:ext cx="4961730" cy="2326925"/>
+            <a:ext cx="5319310" cy="3115491"/>
           </a:xfrm>
         </p:spPr>
         <p:txBody>
@@ -5005,19 +5244,19 @@
           <a:p>
             <a:r>
               <a:rPr lang="en-US" sz="2400" dirty="0"/>
-              <a:t>Interactivity is nice</a:t>
+              <a:t>Interactivity is cool</a:t>
             </a:r>
           </a:p>
           <a:p>
             <a:r>
               <a:rPr lang="en-US" sz="2400" dirty="0"/>
-              <a:t>Observer pattern is common across framework/libraries</a:t>
+              <a:t>The observer pattern is the skeleton of all framework/libraries</a:t>
             </a:r>
           </a:p>
           <a:p>
             <a:r>
               <a:rPr lang="en-US" sz="2400" dirty="0"/>
-              <a:t>Code is short if you know what you are doing</a:t>
+              <a:t>Some (e.g. the next speaker) may say it is not science, don’t listen to them</a:t>
             </a:r>
           </a:p>
         </p:txBody>
@@ -5045,7 +5284,7 @@
           <a:p>
             <a:fld id="{C7BFCD0E-475B-4F56-BC96-63AB66DBA93E}" type="slidenum">
               <a:rPr lang="en-US" noProof="0" smtClean="0"/>
-              <a:t>11</a:t>
+              <a:t>12</a:t>
             </a:fld>
             <a:endParaRPr lang="en-US" noProof="0"/>
           </a:p>
@@ -5583,6 +5822,18 @@
   <p:clrMapOvr>
     <a:masterClrMapping/>
   </p:clrMapOvr>
+  <mc:AlternateContent xmlns:mc="http://schemas.openxmlformats.org/markup-compatibility/2006">
+    <mc:Choice xmlns:p159="http://schemas.microsoft.com/office/powerpoint/2015/09/main" Requires="p159">
+      <p:transition xmlns:p14="http://schemas.microsoft.com/office/powerpoint/2010/main" spd="slow" p14:dur="2000">
+        <p159:morph option="byObject"/>
+      </p:transition>
+    </mc:Choice>
+    <mc:Fallback>
+      <p:transition spd="slow">
+        <p:fade/>
+      </p:transition>
+    </mc:Fallback>
+  </mc:AlternateContent>
 </p:sld>
 </file>
 
@@ -6505,6 +6756,18 @@
   <p:clrMapOvr>
     <a:masterClrMapping/>
   </p:clrMapOvr>
+  <mc:AlternateContent xmlns:mc="http://schemas.openxmlformats.org/markup-compatibility/2006">
+    <mc:Choice xmlns:p159="http://schemas.microsoft.com/office/powerpoint/2015/09/main" Requires="p159">
+      <p:transition xmlns:p14="http://schemas.microsoft.com/office/powerpoint/2010/main" spd="slow" p14:dur="2000">
+        <p159:morph option="byObject"/>
+      </p:transition>
+    </mc:Choice>
+    <mc:Fallback>
+      <p:transition spd="slow">
+        <p:fade/>
+      </p:transition>
+    </mc:Fallback>
+  </mc:AlternateContent>
   <p:timing>
     <p:tnLst>
       <p:par>
@@ -6610,69 +6873,6 @@
       </p:grpSpPr>
       <p:sp>
         <p:nvSpPr>
-          <p:cNvPr id="31" name="Rectangle : coins arrondis 30">
-            <a:extLst>
-              <a:ext uri="{FF2B5EF4-FFF2-40B4-BE49-F238E27FC236}">
-                <a16:creationId xmlns:a16="http://schemas.microsoft.com/office/drawing/2014/main" id="{0A50E76D-DC11-4DDB-828C-A687A521B8CB}"/>
-              </a:ext>
-            </a:extLst>
-          </p:cNvPr>
-          <p:cNvSpPr/>
-          <p:nvPr/>
-        </p:nvSpPr>
-        <p:spPr>
-          <a:xfrm>
-            <a:off x="858250" y="1401501"/>
-            <a:ext cx="4138864" cy="3851154"/>
-          </a:xfrm>
-          <a:prstGeom prst="roundRect">
-            <a:avLst/>
-          </a:prstGeom>
-          <a:solidFill>
-            <a:schemeClr val="accent6">
-              <a:lumMod val="20000"/>
-              <a:lumOff val="80000"/>
-            </a:schemeClr>
-          </a:solidFill>
-          <a:ln w="28575">
-            <a:solidFill>
-              <a:schemeClr val="accent6">
-                <a:lumMod val="50000"/>
-              </a:schemeClr>
-            </a:solidFill>
-          </a:ln>
-        </p:spPr>
-        <p:style>
-          <a:lnRef idx="2">
-            <a:schemeClr val="accent1">
-              <a:shade val="50000"/>
-            </a:schemeClr>
-          </a:lnRef>
-          <a:fillRef idx="1">
-            <a:schemeClr val="accent1"/>
-          </a:fillRef>
-          <a:effectRef idx="0">
-            <a:schemeClr val="accent1"/>
-          </a:effectRef>
-          <a:fontRef idx="minor">
-            <a:schemeClr val="lt1"/>
-          </a:fontRef>
-        </p:style>
-        <p:txBody>
-          <a:bodyPr rtlCol="0" anchor="ctr"/>
-          <a:lstStyle/>
-          <a:p>
-            <a:pPr algn="ctr"/>
-            <a:endParaRPr lang="en-US" dirty="0">
-              <a:solidFill>
-                <a:schemeClr val="tx1"/>
-              </a:solidFill>
-            </a:endParaRPr>
-          </a:p>
-        </p:txBody>
-      </p:sp>
-      <p:sp>
-        <p:nvSpPr>
           <p:cNvPr id="24" name="Rectangle : coins arrondis 23">
             <a:extLst>
               <a:ext uri="{FF2B5EF4-FFF2-40B4-BE49-F238E27FC236}">
@@ -6753,7 +6953,7 @@
           <a:p>
             <a:r>
               <a:rPr lang="en-US" dirty="0"/>
-              <a:t>Libraries all use the observer pattern</a:t>
+              <a:t>All Libraries use the observer pattern</a:t>
             </a:r>
           </a:p>
         </p:txBody>
@@ -7643,42 +7843,126 @@
           </p:txBody>
         </p:sp>
       </p:grpSp>
-      <p:pic>
-        <p:nvPicPr>
-          <p:cNvPr id="23" name="Image 22">
+      <p:grpSp>
+        <p:nvGrpSpPr>
+          <p:cNvPr id="5" name="Groupe 4">
             <a:extLst>
               <a:ext uri="{FF2B5EF4-FFF2-40B4-BE49-F238E27FC236}">
-                <a16:creationId xmlns:a16="http://schemas.microsoft.com/office/drawing/2014/main" id="{CC950D73-A2B5-4BDE-9394-CB5EEA670A6C}"/>
+                <a16:creationId xmlns:a16="http://schemas.microsoft.com/office/drawing/2014/main" id="{5CB0D30C-E181-4FA0-A472-51B541338215}"/>
               </a:ext>
             </a:extLst>
           </p:cNvPr>
-          <p:cNvPicPr>
-            <a:picLocks noChangeAspect="1"/>
-          </p:cNvPicPr>
+          <p:cNvGrpSpPr/>
           <p:nvPr/>
-        </p:nvPicPr>
-        <p:blipFill>
-          <a:blip r:embed="rId3">
-            <a:extLst>
-              <a:ext uri="{28A0092B-C50C-407E-A947-70E740481C1C}">
-                <a14:useLocalDpi xmlns:a14="http://schemas.microsoft.com/office/drawing/2010/main" val="0"/>
-              </a:ext>
-            </a:extLst>
-          </a:blip>
-          <a:stretch>
-            <a:fillRect/>
-          </a:stretch>
-        </p:blipFill>
-        <p:spPr>
+        </p:nvGrpSpPr>
+        <p:grpSpPr>
           <a:xfrm>
-            <a:off x="230405" y="1482642"/>
-            <a:ext cx="5138287" cy="3853715"/>
+            <a:off x="230405" y="1401501"/>
+            <a:ext cx="5138287" cy="3934856"/>
+            <a:chOff x="230405" y="1401501"/>
+            <a:chExt cx="5138287" cy="3934856"/>
           </a:xfrm>
-          <a:prstGeom prst="rect">
-            <a:avLst/>
-          </a:prstGeom>
-        </p:spPr>
-      </p:pic>
+        </p:grpSpPr>
+        <p:sp>
+          <p:nvSpPr>
+            <p:cNvPr id="31" name="Rectangle : coins arrondis 30">
+              <a:extLst>
+                <a:ext uri="{FF2B5EF4-FFF2-40B4-BE49-F238E27FC236}">
+                  <a16:creationId xmlns:a16="http://schemas.microsoft.com/office/drawing/2014/main" id="{0A50E76D-DC11-4DDB-828C-A687A521B8CB}"/>
+                </a:ext>
+              </a:extLst>
+            </p:cNvPr>
+            <p:cNvSpPr/>
+            <p:nvPr/>
+          </p:nvSpPr>
+          <p:spPr>
+            <a:xfrm>
+              <a:off x="858250" y="1401501"/>
+              <a:ext cx="4138864" cy="3851154"/>
+            </a:xfrm>
+            <a:prstGeom prst="roundRect">
+              <a:avLst/>
+            </a:prstGeom>
+            <a:solidFill>
+              <a:schemeClr val="accent6">
+                <a:lumMod val="20000"/>
+                <a:lumOff val="80000"/>
+              </a:schemeClr>
+            </a:solidFill>
+            <a:ln w="28575">
+              <a:solidFill>
+                <a:schemeClr val="accent6">
+                  <a:lumMod val="50000"/>
+                </a:schemeClr>
+              </a:solidFill>
+            </a:ln>
+          </p:spPr>
+          <p:style>
+            <a:lnRef idx="2">
+              <a:schemeClr val="accent1">
+                <a:shade val="50000"/>
+              </a:schemeClr>
+            </a:lnRef>
+            <a:fillRef idx="1">
+              <a:schemeClr val="accent1"/>
+            </a:fillRef>
+            <a:effectRef idx="0">
+              <a:schemeClr val="accent1"/>
+            </a:effectRef>
+            <a:fontRef idx="minor">
+              <a:schemeClr val="lt1"/>
+            </a:fontRef>
+          </p:style>
+          <p:txBody>
+            <a:bodyPr rtlCol="0" anchor="ctr"/>
+            <a:lstStyle/>
+            <a:p>
+              <a:pPr algn="ctr"/>
+              <a:endParaRPr lang="en-US" dirty="0">
+                <a:solidFill>
+                  <a:schemeClr val="tx1"/>
+                </a:solidFill>
+              </a:endParaRPr>
+            </a:p>
+          </p:txBody>
+        </p:sp>
+        <p:pic>
+          <p:nvPicPr>
+            <p:cNvPr id="23" name="Image 22">
+              <a:extLst>
+                <a:ext uri="{FF2B5EF4-FFF2-40B4-BE49-F238E27FC236}">
+                  <a16:creationId xmlns:a16="http://schemas.microsoft.com/office/drawing/2014/main" id="{CC950D73-A2B5-4BDE-9394-CB5EEA670A6C}"/>
+                </a:ext>
+              </a:extLst>
+            </p:cNvPr>
+            <p:cNvPicPr>
+              <a:picLocks noChangeAspect="1"/>
+            </p:cNvPicPr>
+            <p:nvPr/>
+          </p:nvPicPr>
+          <p:blipFill>
+            <a:blip r:embed="rId3">
+              <a:extLst>
+                <a:ext uri="{28A0092B-C50C-407E-A947-70E740481C1C}">
+                  <a14:useLocalDpi xmlns:a14="http://schemas.microsoft.com/office/drawing/2010/main" val="0"/>
+                </a:ext>
+              </a:extLst>
+            </a:blip>
+            <a:stretch>
+              <a:fillRect/>
+            </a:stretch>
+          </p:blipFill>
+          <p:spPr>
+            <a:xfrm>
+              <a:off x="230405" y="1482642"/>
+              <a:ext cx="5138287" cy="3853715"/>
+            </a:xfrm>
+            <a:prstGeom prst="rect">
+              <a:avLst/>
+            </a:prstGeom>
+          </p:spPr>
+        </p:pic>
+      </p:grpSp>
     </p:spTree>
     <p:extLst>
       <p:ext uri="{BB962C8B-B14F-4D97-AF65-F5344CB8AC3E}">
@@ -7689,6 +7973,18 @@
   <p:clrMapOvr>
     <a:masterClrMapping/>
   </p:clrMapOvr>
+  <mc:AlternateContent xmlns:mc="http://schemas.openxmlformats.org/markup-compatibility/2006">
+    <mc:Choice xmlns:p159="http://schemas.microsoft.com/office/powerpoint/2015/09/main" Requires="p159">
+      <p:transition xmlns:p14="http://schemas.microsoft.com/office/powerpoint/2010/main" spd="slow" p14:dur="2000">
+        <p159:morph option="byObject"/>
+      </p:transition>
+    </mc:Choice>
+    <mc:Fallback>
+      <p:transition spd="slow">
+        <p:fade/>
+      </p:transition>
+    </mc:Fallback>
+  </mc:AlternateContent>
 </p:sld>
 </file>
 
@@ -7728,13 +8024,13 @@
         <p:spPr/>
         <p:txBody>
           <a:bodyPr>
-            <a:normAutofit fontScale="90000"/>
+            <a:normAutofit/>
           </a:bodyPr>
           <a:lstStyle/>
           <a:p>
             <a:r>
               <a:rPr lang="en-US" dirty="0"/>
-              <a:t>The jungle of terminology is confusing</a:t>
+              <a:t>There is a jungle of terminology</a:t>
             </a:r>
           </a:p>
         </p:txBody>
@@ -8707,7 +9003,7 @@
         <p:spPr>
           <a:xfrm>
             <a:off x="5184116" y="1393540"/>
-            <a:ext cx="3831547" cy="4431983"/>
+            <a:ext cx="3831547" cy="3693319"/>
           </a:xfrm>
           <a:prstGeom prst="rect">
             <a:avLst/>
@@ -8773,16 +9069,6 @@
             <a:r>
               <a:rPr lang="en-US" sz="2400" dirty="0"/>
               <a:t>Callback signature changes</a:t>
-            </a:r>
-          </a:p>
-          <a:p>
-            <a:pPr marL="342900" indent="-342900">
-              <a:buFont typeface="Arial" panose="020B0604020202020204" pitchFamily="34" charset="0"/>
-              <a:buChar char="•"/>
-            </a:pPr>
-            <a:r>
-              <a:rPr lang="en-US" sz="2400" dirty="0"/>
-              <a:t>Callback can modify global state</a:t>
             </a:r>
           </a:p>
         </p:txBody>
@@ -8797,6 +9083,18 @@
   <p:clrMapOvr>
     <a:masterClrMapping/>
   </p:clrMapOvr>
+  <mc:AlternateContent xmlns:mc="http://schemas.openxmlformats.org/markup-compatibility/2006">
+    <mc:Choice xmlns:p159="http://schemas.microsoft.com/office/powerpoint/2015/09/main" Requires="p159">
+      <p:transition xmlns:p14="http://schemas.microsoft.com/office/powerpoint/2010/main" spd="slow" p14:dur="2000">
+        <p159:morph option="byObject"/>
+      </p:transition>
+    </mc:Choice>
+    <mc:Fallback>
+      <p:transition spd="slow">
+        <p:fade/>
+      </p:transition>
+    </mc:Fallback>
+  </mc:AlternateContent>
   <p:timing>
     <p:tnLst>
       <p:par>
@@ -9007,11 +9305,7 @@
                                           </p:stCondLst>
                                         </p:cTn>
                                         <p:tgtEl>
-                                          <p:spTgt spid="35">
-                                            <p:txEl>
-                                              <p:pRg st="0" end="0"/>
-                                            </p:txEl>
-                                          </p:spTgt>
+                                          <p:spTgt spid="35"/>
                                         </p:tgtEl>
                                         <p:attrNameLst>
                                           <p:attrName>style.visibility</p:attrName>
@@ -9025,377 +9319,7 @@
                                       <p:cBhvr>
                                         <p:cTn id="23" dur="500"/>
                                         <p:tgtEl>
-                                          <p:spTgt spid="35">
-                                            <p:txEl>
-                                              <p:pRg st="0" end="0"/>
-                                            </p:txEl>
-                                          </p:spTgt>
-                                        </p:tgtEl>
-                                      </p:cBhvr>
-                                    </p:animEffect>
-                                  </p:childTnLst>
-                                </p:cTn>
-                              </p:par>
-                            </p:childTnLst>
-                          </p:cTn>
-                        </p:par>
-                      </p:childTnLst>
-                    </p:cTn>
-                  </p:par>
-                  <p:par>
-                    <p:cTn id="24" fill="hold">
-                      <p:stCondLst>
-                        <p:cond delay="indefinite"/>
-                      </p:stCondLst>
-                      <p:childTnLst>
-                        <p:par>
-                          <p:cTn id="25" fill="hold">
-                            <p:stCondLst>
-                              <p:cond delay="0"/>
-                            </p:stCondLst>
-                            <p:childTnLst>
-                              <p:par>
-                                <p:cTn id="26" presetID="10" presetClass="entr" presetSubtype="0" fill="hold" grpId="0" nodeType="clickEffect">
-                                  <p:stCondLst>
-                                    <p:cond delay="0"/>
-                                  </p:stCondLst>
-                                  <p:childTnLst>
-                                    <p:set>
-                                      <p:cBhvr>
-                                        <p:cTn id="27" dur="1" fill="hold">
-                                          <p:stCondLst>
-                                            <p:cond delay="0"/>
-                                          </p:stCondLst>
-                                        </p:cTn>
-                                        <p:tgtEl>
-                                          <p:spTgt spid="35">
-                                            <p:txEl>
-                                              <p:pRg st="1" end="1"/>
-                                            </p:txEl>
-                                          </p:spTgt>
-                                        </p:tgtEl>
-                                        <p:attrNameLst>
-                                          <p:attrName>style.visibility</p:attrName>
-                                        </p:attrNameLst>
-                                      </p:cBhvr>
-                                      <p:to>
-                                        <p:strVal val="visible"/>
-                                      </p:to>
-                                    </p:set>
-                                    <p:animEffect transition="in" filter="fade">
-                                      <p:cBhvr>
-                                        <p:cTn id="28" dur="500"/>
-                                        <p:tgtEl>
-                                          <p:spTgt spid="35">
-                                            <p:txEl>
-                                              <p:pRg st="1" end="1"/>
-                                            </p:txEl>
-                                          </p:spTgt>
-                                        </p:tgtEl>
-                                      </p:cBhvr>
-                                    </p:animEffect>
-                                  </p:childTnLst>
-                                </p:cTn>
-                              </p:par>
-                            </p:childTnLst>
-                          </p:cTn>
-                        </p:par>
-                      </p:childTnLst>
-                    </p:cTn>
-                  </p:par>
-                  <p:par>
-                    <p:cTn id="29" fill="hold">
-                      <p:stCondLst>
-                        <p:cond delay="indefinite"/>
-                      </p:stCondLst>
-                      <p:childTnLst>
-                        <p:par>
-                          <p:cTn id="30" fill="hold">
-                            <p:stCondLst>
-                              <p:cond delay="0"/>
-                            </p:stCondLst>
-                            <p:childTnLst>
-                              <p:par>
-                                <p:cTn id="31" presetID="10" presetClass="entr" presetSubtype="0" fill="hold" grpId="0" nodeType="clickEffect">
-                                  <p:stCondLst>
-                                    <p:cond delay="0"/>
-                                  </p:stCondLst>
-                                  <p:childTnLst>
-                                    <p:set>
-                                      <p:cBhvr>
-                                        <p:cTn id="32" dur="1" fill="hold">
-                                          <p:stCondLst>
-                                            <p:cond delay="0"/>
-                                          </p:stCondLst>
-                                        </p:cTn>
-                                        <p:tgtEl>
-                                          <p:spTgt spid="35">
-                                            <p:txEl>
-                                              <p:pRg st="2" end="2"/>
-                                            </p:txEl>
-                                          </p:spTgt>
-                                        </p:tgtEl>
-                                        <p:attrNameLst>
-                                          <p:attrName>style.visibility</p:attrName>
-                                        </p:attrNameLst>
-                                      </p:cBhvr>
-                                      <p:to>
-                                        <p:strVal val="visible"/>
-                                      </p:to>
-                                    </p:set>
-                                    <p:animEffect transition="in" filter="fade">
-                                      <p:cBhvr>
-                                        <p:cTn id="33" dur="500"/>
-                                        <p:tgtEl>
-                                          <p:spTgt spid="35">
-                                            <p:txEl>
-                                              <p:pRg st="2" end="2"/>
-                                            </p:txEl>
-                                          </p:spTgt>
-                                        </p:tgtEl>
-                                      </p:cBhvr>
-                                    </p:animEffect>
-                                  </p:childTnLst>
-                                </p:cTn>
-                              </p:par>
-                            </p:childTnLst>
-                          </p:cTn>
-                        </p:par>
-                      </p:childTnLst>
-                    </p:cTn>
-                  </p:par>
-                  <p:par>
-                    <p:cTn id="34" fill="hold">
-                      <p:stCondLst>
-                        <p:cond delay="indefinite"/>
-                      </p:stCondLst>
-                      <p:childTnLst>
-                        <p:par>
-                          <p:cTn id="35" fill="hold">
-                            <p:stCondLst>
-                              <p:cond delay="0"/>
-                            </p:stCondLst>
-                            <p:childTnLst>
-                              <p:par>
-                                <p:cTn id="36" presetID="10" presetClass="entr" presetSubtype="0" fill="hold" grpId="0" nodeType="clickEffect">
-                                  <p:stCondLst>
-                                    <p:cond delay="0"/>
-                                  </p:stCondLst>
-                                  <p:childTnLst>
-                                    <p:set>
-                                      <p:cBhvr>
-                                        <p:cTn id="37" dur="1" fill="hold">
-                                          <p:stCondLst>
-                                            <p:cond delay="0"/>
-                                          </p:stCondLst>
-                                        </p:cTn>
-                                        <p:tgtEl>
-                                          <p:spTgt spid="35">
-                                            <p:txEl>
-                                              <p:pRg st="3" end="3"/>
-                                            </p:txEl>
-                                          </p:spTgt>
-                                        </p:tgtEl>
-                                        <p:attrNameLst>
-                                          <p:attrName>style.visibility</p:attrName>
-                                        </p:attrNameLst>
-                                      </p:cBhvr>
-                                      <p:to>
-                                        <p:strVal val="visible"/>
-                                      </p:to>
-                                    </p:set>
-                                    <p:animEffect transition="in" filter="fade">
-                                      <p:cBhvr>
-                                        <p:cTn id="38" dur="500"/>
-                                        <p:tgtEl>
-                                          <p:spTgt spid="35">
-                                            <p:txEl>
-                                              <p:pRg st="3" end="3"/>
-                                            </p:txEl>
-                                          </p:spTgt>
-                                        </p:tgtEl>
-                                      </p:cBhvr>
-                                    </p:animEffect>
-                                  </p:childTnLst>
-                                </p:cTn>
-                              </p:par>
-                            </p:childTnLst>
-                          </p:cTn>
-                        </p:par>
-                      </p:childTnLst>
-                    </p:cTn>
-                  </p:par>
-                  <p:par>
-                    <p:cTn id="39" fill="hold">
-                      <p:stCondLst>
-                        <p:cond delay="indefinite"/>
-                      </p:stCondLst>
-                      <p:childTnLst>
-                        <p:par>
-                          <p:cTn id="40" fill="hold">
-                            <p:stCondLst>
-                              <p:cond delay="0"/>
-                            </p:stCondLst>
-                            <p:childTnLst>
-                              <p:par>
-                                <p:cTn id="41" presetID="10" presetClass="entr" presetSubtype="0" fill="hold" grpId="0" nodeType="clickEffect">
-                                  <p:stCondLst>
-                                    <p:cond delay="0"/>
-                                  </p:stCondLst>
-                                  <p:childTnLst>
-                                    <p:set>
-                                      <p:cBhvr>
-                                        <p:cTn id="42" dur="1" fill="hold">
-                                          <p:stCondLst>
-                                            <p:cond delay="0"/>
-                                          </p:stCondLst>
-                                        </p:cTn>
-                                        <p:tgtEl>
-                                          <p:spTgt spid="35">
-                                            <p:txEl>
-                                              <p:pRg st="4" end="4"/>
-                                            </p:txEl>
-                                          </p:spTgt>
-                                        </p:tgtEl>
-                                        <p:attrNameLst>
-                                          <p:attrName>style.visibility</p:attrName>
-                                        </p:attrNameLst>
-                                      </p:cBhvr>
-                                      <p:to>
-                                        <p:strVal val="visible"/>
-                                      </p:to>
-                                    </p:set>
-                                    <p:animEffect transition="in" filter="fade">
-                                      <p:cBhvr>
-                                        <p:cTn id="43" dur="500"/>
-                                        <p:tgtEl>
-                                          <p:spTgt spid="35">
-                                            <p:txEl>
-                                              <p:pRg st="4" end="4"/>
-                                            </p:txEl>
-                                          </p:spTgt>
-                                        </p:tgtEl>
-                                      </p:cBhvr>
-                                    </p:animEffect>
-                                  </p:childTnLst>
-                                </p:cTn>
-                              </p:par>
-                            </p:childTnLst>
-                          </p:cTn>
-                        </p:par>
-                      </p:childTnLst>
-                    </p:cTn>
-                  </p:par>
-                  <p:par>
-                    <p:cTn id="44" fill="hold">
-                      <p:stCondLst>
-                        <p:cond delay="indefinite"/>
-                      </p:stCondLst>
-                      <p:childTnLst>
-                        <p:par>
-                          <p:cTn id="45" fill="hold">
-                            <p:stCondLst>
-                              <p:cond delay="0"/>
-                            </p:stCondLst>
-                            <p:childTnLst>
-                              <p:par>
-                                <p:cTn id="46" presetID="10" presetClass="entr" presetSubtype="0" fill="hold" grpId="0" nodeType="clickEffect">
-                                  <p:stCondLst>
-                                    <p:cond delay="0"/>
-                                  </p:stCondLst>
-                                  <p:childTnLst>
-                                    <p:set>
-                                      <p:cBhvr>
-                                        <p:cTn id="47" dur="1" fill="hold">
-                                          <p:stCondLst>
-                                            <p:cond delay="0"/>
-                                          </p:stCondLst>
-                                        </p:cTn>
-                                        <p:tgtEl>
-                                          <p:spTgt spid="35">
-                                            <p:txEl>
-                                              <p:pRg st="5" end="5"/>
-                                            </p:txEl>
-                                          </p:spTgt>
-                                        </p:tgtEl>
-                                        <p:attrNameLst>
-                                          <p:attrName>style.visibility</p:attrName>
-                                        </p:attrNameLst>
-                                      </p:cBhvr>
-                                      <p:to>
-                                        <p:strVal val="visible"/>
-                                      </p:to>
-                                    </p:set>
-                                    <p:animEffect transition="in" filter="fade">
-                                      <p:cBhvr>
-                                        <p:cTn id="48" dur="500"/>
-                                        <p:tgtEl>
-                                          <p:spTgt spid="35">
-                                            <p:txEl>
-                                              <p:pRg st="5" end="5"/>
-                                            </p:txEl>
-                                          </p:spTgt>
-                                        </p:tgtEl>
-                                      </p:cBhvr>
-                                    </p:animEffect>
-                                  </p:childTnLst>
-                                </p:cTn>
-                              </p:par>
-                            </p:childTnLst>
-                          </p:cTn>
-                        </p:par>
-                      </p:childTnLst>
-                    </p:cTn>
-                  </p:par>
-                  <p:par>
-                    <p:cTn id="49" fill="hold">
-                      <p:stCondLst>
-                        <p:cond delay="indefinite"/>
-                      </p:stCondLst>
-                      <p:childTnLst>
-                        <p:par>
-                          <p:cTn id="50" fill="hold">
-                            <p:stCondLst>
-                              <p:cond delay="0"/>
-                            </p:stCondLst>
-                            <p:childTnLst>
-                              <p:par>
-                                <p:cTn id="51" presetID="10" presetClass="entr" presetSubtype="0" fill="hold" grpId="0" nodeType="clickEffect">
-                                  <p:stCondLst>
-                                    <p:cond delay="0"/>
-                                  </p:stCondLst>
-                                  <p:childTnLst>
-                                    <p:set>
-                                      <p:cBhvr>
-                                        <p:cTn id="52" dur="1" fill="hold">
-                                          <p:stCondLst>
-                                            <p:cond delay="0"/>
-                                          </p:stCondLst>
-                                        </p:cTn>
-                                        <p:tgtEl>
-                                          <p:spTgt spid="35">
-                                            <p:txEl>
-                                              <p:pRg st="6" end="6"/>
-                                            </p:txEl>
-                                          </p:spTgt>
-                                        </p:tgtEl>
-                                        <p:attrNameLst>
-                                          <p:attrName>style.visibility</p:attrName>
-                                        </p:attrNameLst>
-                                      </p:cBhvr>
-                                      <p:to>
-                                        <p:strVal val="visible"/>
-                                      </p:to>
-                                    </p:set>
-                                    <p:animEffect transition="in" filter="fade">
-                                      <p:cBhvr>
-                                        <p:cTn id="53" dur="500"/>
-                                        <p:tgtEl>
-                                          <p:spTgt spid="35">
-                                            <p:txEl>
-                                              <p:pRg st="6" end="6"/>
-                                            </p:txEl>
-                                          </p:spTgt>
+                                          <p:spTgt spid="35"/>
                                         </p:tgtEl>
                                       </p:cBhvr>
                                     </p:animEffect>
@@ -9433,7 +9357,7 @@
       <p:bldP spid="14" grpId="0" animBg="1"/>
       <p:bldP spid="16" grpId="0" animBg="1"/>
       <p:bldP spid="17" grpId="0" animBg="1"/>
-      <p:bldP spid="35" grpId="0" build="p"/>
+      <p:bldP spid="35" grpId="0"/>
     </p:bldLst>
   </p:timing>
 </p:sld>
@@ -9475,13 +9399,13 @@
         <p:spPr/>
         <p:txBody>
           <a:bodyPr>
-            <a:normAutofit fontScale="90000"/>
+            <a:normAutofit/>
           </a:bodyPr>
           <a:lstStyle/>
           <a:p>
             <a:r>
               <a:rPr lang="en-US" dirty="0"/>
-              <a:t>There is a simpler non-mutating version</a:t>
+              <a:t>There is a simplified version</a:t>
             </a:r>
           </a:p>
         </p:txBody>
@@ -9515,86 +9439,6 @@
           </a:p>
         </p:txBody>
       </p:sp>
-      <p:sp>
-        <p:nvSpPr>
-          <p:cNvPr id="35" name="ZoneTexte 34">
-            <a:extLst>
-              <a:ext uri="{FF2B5EF4-FFF2-40B4-BE49-F238E27FC236}">
-                <a16:creationId xmlns:a16="http://schemas.microsoft.com/office/drawing/2014/main" id="{617C0B64-7801-4F75-96F8-FC332CD9D571}"/>
-              </a:ext>
-            </a:extLst>
-          </p:cNvPr>
-          <p:cNvSpPr txBox="1"/>
-          <p:nvPr/>
-        </p:nvSpPr>
-        <p:spPr>
-          <a:xfrm>
-            <a:off x="4684299" y="1421251"/>
-            <a:ext cx="4145624" cy="2215991"/>
-          </a:xfrm>
-          <a:prstGeom prst="rect">
-            <a:avLst/>
-          </a:prstGeom>
-          <a:noFill/>
-        </p:spPr>
-        <p:txBody>
-          <a:bodyPr wrap="square" lIns="0" tIns="0" rIns="0" bIns="0" rtlCol="0">
-            <a:spAutoFit/>
-          </a:bodyPr>
-          <a:lstStyle/>
-          <a:p>
-            <a:r>
-              <a:rPr lang="en-US" sz="2400" dirty="0"/>
-              <a:t>It is often used for animation</a:t>
-            </a:r>
-          </a:p>
-          <a:p>
-            <a:pPr marL="342900" indent="-342900">
-              <a:buFont typeface="Arial" panose="020B0604020202020204" pitchFamily="34" charset="0"/>
-              <a:buChar char="•"/>
-            </a:pPr>
-            <a:r>
-              <a:rPr lang="en-US" sz="2400" dirty="0"/>
-              <a:t>Time is observed</a:t>
-            </a:r>
-          </a:p>
-          <a:p>
-            <a:pPr marL="342900" indent="-342900">
-              <a:buFont typeface="Arial" panose="020B0604020202020204" pitchFamily="34" charset="0"/>
-              <a:buChar char="•"/>
-            </a:pPr>
-            <a:r>
-              <a:rPr lang="en-US" sz="2400" dirty="0"/>
-              <a:t>Run through all the time steps (</a:t>
-            </a:r>
-            <a:r>
-              <a:rPr lang="en-US" sz="2400" i="1" dirty="0"/>
-              <a:t>aka</a:t>
-            </a:r>
-            <a:r>
-              <a:rPr lang="en-US" sz="2400" dirty="0"/>
-              <a:t> frame)</a:t>
-            </a:r>
-          </a:p>
-          <a:p>
-            <a:pPr marL="342900" indent="-342900">
-              <a:buFont typeface="Arial" panose="020B0604020202020204" pitchFamily="34" charset="0"/>
-              <a:buChar char="•"/>
-            </a:pPr>
-            <a:r>
-              <a:rPr lang="en-US" sz="2400" dirty="0"/>
-              <a:t>Save an image at each frame</a:t>
-            </a:r>
-          </a:p>
-          <a:p>
-            <a:pPr marL="342900" indent="-342900">
-              <a:buFont typeface="Arial" panose="020B0604020202020204" pitchFamily="34" charset="0"/>
-              <a:buChar char="•"/>
-            </a:pPr>
-            <a:endParaRPr lang="en-US" sz="2400" dirty="0"/>
-          </a:p>
-        </p:txBody>
-      </p:sp>
       <p:grpSp>
         <p:nvGrpSpPr>
           <p:cNvPr id="21" name="Groupe 20">
@@ -9609,10 +9453,10 @@
         </p:nvGrpSpPr>
         <p:grpSpPr>
           <a:xfrm>
-            <a:off x="1625271" y="1421251"/>
-            <a:ext cx="1540045" cy="4889930"/>
-            <a:chOff x="1561102" y="1353534"/>
-            <a:chExt cx="1540045" cy="4889930"/>
+            <a:off x="3682167" y="1455089"/>
+            <a:ext cx="1779665" cy="4889930"/>
+            <a:chOff x="1441289" y="1353534"/>
+            <a:chExt cx="1779665" cy="4889930"/>
           </a:xfrm>
         </p:grpSpPr>
         <p:sp>
@@ -9847,8 +9691,8 @@
           </p:nvSpPr>
           <p:spPr>
             <a:xfrm>
-              <a:off x="1910019" y="4677547"/>
-              <a:ext cx="842211" cy="307777"/>
+              <a:off x="1441289" y="4689134"/>
+              <a:ext cx="1779665" cy="307777"/>
             </a:xfrm>
             <a:prstGeom prst="rect">
               <a:avLst/>
@@ -9866,7 +9710,7 @@
               <a:pPr algn="ctr"/>
               <a:r>
                 <a:rPr lang="en-US" sz="2000" dirty="0"/>
-                <a:t>Call</a:t>
+                <a:t>Call on change</a:t>
               </a:r>
             </a:p>
           </p:txBody>
@@ -9976,16 +9820,597 @@
           </p:txBody>
         </p:sp>
       </p:grpSp>
+      <p:grpSp>
+        <p:nvGrpSpPr>
+          <p:cNvPr id="44" name="Groupe 43">
+            <a:extLst>
+              <a:ext uri="{FF2B5EF4-FFF2-40B4-BE49-F238E27FC236}">
+                <a16:creationId xmlns:a16="http://schemas.microsoft.com/office/drawing/2014/main" id="{127CACE6-D636-41B7-B3AF-9FF41C70172C}"/>
+              </a:ext>
+            </a:extLst>
+          </p:cNvPr>
+          <p:cNvGrpSpPr/>
+          <p:nvPr/>
+        </p:nvGrpSpPr>
+        <p:grpSpPr>
+          <a:xfrm>
+            <a:off x="934554" y="1455089"/>
+            <a:ext cx="1922405" cy="4845867"/>
+            <a:chOff x="934554" y="1455089"/>
+            <a:chExt cx="1922405" cy="4845867"/>
+          </a:xfrm>
+        </p:grpSpPr>
+        <p:grpSp>
+          <p:nvGrpSpPr>
+            <p:cNvPr id="13" name="Groupe 12">
+              <a:extLst>
+                <a:ext uri="{FF2B5EF4-FFF2-40B4-BE49-F238E27FC236}">
+                  <a16:creationId xmlns:a16="http://schemas.microsoft.com/office/drawing/2014/main" id="{E390C171-A463-469B-A2ED-73A5A928C44E}"/>
+                </a:ext>
+              </a:extLst>
+            </p:cNvPr>
+            <p:cNvGrpSpPr/>
+            <p:nvPr/>
+          </p:nvGrpSpPr>
+          <p:grpSpPr>
+            <a:xfrm>
+              <a:off x="934554" y="1455089"/>
+              <a:ext cx="1922405" cy="4845867"/>
+              <a:chOff x="5690101" y="1406179"/>
+              <a:chExt cx="1922405" cy="4845867"/>
+            </a:xfrm>
+          </p:grpSpPr>
+          <p:sp>
+            <p:nvSpPr>
+              <p:cNvPr id="14" name="Rectangle : coins arrondis 13">
+                <a:extLst>
+                  <a:ext uri="{FF2B5EF4-FFF2-40B4-BE49-F238E27FC236}">
+                    <a16:creationId xmlns:a16="http://schemas.microsoft.com/office/drawing/2014/main" id="{25CB5010-F5EA-42CB-8DD2-43CFFAC19044}"/>
+                  </a:ext>
+                </a:extLst>
+              </p:cNvPr>
+              <p:cNvSpPr/>
+              <p:nvPr/>
+            </p:nvSpPr>
+            <p:spPr>
+              <a:xfrm>
+                <a:off x="5881281" y="5457962"/>
+                <a:ext cx="1540043" cy="794084"/>
+              </a:xfrm>
+              <a:prstGeom prst="roundRect">
+                <a:avLst/>
+              </a:prstGeom>
+              <a:solidFill>
+                <a:schemeClr val="accent5">
+                  <a:lumMod val="20000"/>
+                  <a:lumOff val="80000"/>
+                </a:schemeClr>
+              </a:solidFill>
+              <a:ln w="28575"/>
+            </p:spPr>
+            <p:style>
+              <a:lnRef idx="2">
+                <a:schemeClr val="accent1">
+                  <a:shade val="50000"/>
+                </a:schemeClr>
+              </a:lnRef>
+              <a:fillRef idx="1">
+                <a:schemeClr val="accent1"/>
+              </a:fillRef>
+              <a:effectRef idx="0">
+                <a:schemeClr val="accent1"/>
+              </a:effectRef>
+              <a:fontRef idx="minor">
+                <a:schemeClr val="lt1"/>
+              </a:fontRef>
+            </p:style>
+            <p:txBody>
+              <a:bodyPr rtlCol="0" anchor="ctr"/>
+              <a:lstStyle/>
+              <a:p>
+                <a:pPr algn="ctr"/>
+                <a:r>
+                  <a:rPr lang="en-US" dirty="0">
+                    <a:solidFill>
+                      <a:schemeClr val="tx1"/>
+                    </a:solidFill>
+                  </a:rPr>
+                  <a:t>Observable</a:t>
+                </a:r>
+              </a:p>
+            </p:txBody>
+          </p:sp>
+          <p:sp>
+            <p:nvSpPr>
+              <p:cNvPr id="15" name="Rectangle : coins arrondis 14">
+                <a:extLst>
+                  <a:ext uri="{FF2B5EF4-FFF2-40B4-BE49-F238E27FC236}">
+                    <a16:creationId xmlns:a16="http://schemas.microsoft.com/office/drawing/2014/main" id="{CC2DCC22-E84B-4634-A369-38F0E8F46963}"/>
+                  </a:ext>
+                </a:extLst>
+              </p:cNvPr>
+              <p:cNvSpPr/>
+              <p:nvPr/>
+            </p:nvSpPr>
+            <p:spPr>
+              <a:xfrm>
+                <a:off x="5690101" y="3433103"/>
+                <a:ext cx="1922405" cy="1434903"/>
+              </a:xfrm>
+              <a:prstGeom prst="roundRect">
+                <a:avLst/>
+              </a:prstGeom>
+              <a:solidFill>
+                <a:srgbClr val="F1F8EC"/>
+              </a:solidFill>
+              <a:ln w="28575">
+                <a:solidFill>
+                  <a:schemeClr val="accent6">
+                    <a:lumMod val="50000"/>
+                  </a:schemeClr>
+                </a:solidFill>
+                <a:prstDash val="dash"/>
+              </a:ln>
+            </p:spPr>
+            <p:style>
+              <a:lnRef idx="2">
+                <a:schemeClr val="accent1">
+                  <a:shade val="50000"/>
+                </a:schemeClr>
+              </a:lnRef>
+              <a:fillRef idx="1">
+                <a:schemeClr val="accent1"/>
+              </a:fillRef>
+              <a:effectRef idx="0">
+                <a:schemeClr val="accent1"/>
+              </a:effectRef>
+              <a:fontRef idx="minor">
+                <a:schemeClr val="lt1"/>
+              </a:fontRef>
+            </p:style>
+            <p:txBody>
+              <a:bodyPr rtlCol="0" anchor="ctr"/>
+              <a:lstStyle/>
+              <a:p>
+                <a:r>
+                  <a:rPr lang="en-US" dirty="0">
+                    <a:solidFill>
+                      <a:schemeClr val="tx1"/>
+                    </a:solidFill>
+                  </a:rPr>
+                  <a:t>Plot holder</a:t>
+                </a:r>
+              </a:p>
+              <a:p>
+                <a:pPr algn="ctr"/>
+                <a:endParaRPr lang="en-US" dirty="0">
+                  <a:solidFill>
+                    <a:schemeClr val="tx1"/>
+                  </a:solidFill>
+                </a:endParaRPr>
+              </a:p>
+              <a:p>
+                <a:pPr algn="ctr"/>
+                <a:endParaRPr lang="en-US" dirty="0">
+                  <a:solidFill>
+                    <a:schemeClr val="tx1"/>
+                  </a:solidFill>
+                </a:endParaRPr>
+              </a:p>
+              <a:p>
+                <a:pPr algn="ctr"/>
+                <a:endParaRPr lang="en-US" dirty="0">
+                  <a:solidFill>
+                    <a:schemeClr val="tx1"/>
+                  </a:solidFill>
+                </a:endParaRPr>
+              </a:p>
+            </p:txBody>
+          </p:sp>
+          <p:sp>
+            <p:nvSpPr>
+              <p:cNvPr id="16" name="Rectangle : coins arrondis 15">
+                <a:extLst>
+                  <a:ext uri="{FF2B5EF4-FFF2-40B4-BE49-F238E27FC236}">
+                    <a16:creationId xmlns:a16="http://schemas.microsoft.com/office/drawing/2014/main" id="{0BC4CD5E-EFC7-485A-B073-0635D8A26036}"/>
+                  </a:ext>
+                </a:extLst>
+              </p:cNvPr>
+              <p:cNvSpPr/>
+              <p:nvPr/>
+            </p:nvSpPr>
+            <p:spPr>
+              <a:xfrm>
+                <a:off x="5836317" y="1406179"/>
+                <a:ext cx="1540043" cy="794084"/>
+              </a:xfrm>
+              <a:prstGeom prst="roundRect">
+                <a:avLst/>
+              </a:prstGeom>
+              <a:solidFill>
+                <a:schemeClr val="accent2">
+                  <a:lumMod val="20000"/>
+                  <a:lumOff val="80000"/>
+                </a:schemeClr>
+              </a:solidFill>
+              <a:ln w="28575">
+                <a:solidFill>
+                  <a:schemeClr val="accent2">
+                    <a:lumMod val="75000"/>
+                  </a:schemeClr>
+                </a:solidFill>
+              </a:ln>
+            </p:spPr>
+            <p:style>
+              <a:lnRef idx="2">
+                <a:schemeClr val="accent1">
+                  <a:shade val="50000"/>
+                </a:schemeClr>
+              </a:lnRef>
+              <a:fillRef idx="1">
+                <a:schemeClr val="accent1"/>
+              </a:fillRef>
+              <a:effectRef idx="0">
+                <a:schemeClr val="accent1"/>
+              </a:effectRef>
+              <a:fontRef idx="minor">
+                <a:schemeClr val="lt1"/>
+              </a:fontRef>
+            </p:style>
+            <p:txBody>
+              <a:bodyPr rtlCol="0" anchor="ctr"/>
+              <a:lstStyle/>
+              <a:p>
+                <a:pPr algn="ctr"/>
+                <a:r>
+                  <a:rPr lang="en-US" dirty="0">
+                    <a:solidFill>
+                      <a:schemeClr val="tx1"/>
+                    </a:solidFill>
+                  </a:rPr>
+                  <a:t>Callback</a:t>
+                </a:r>
+              </a:p>
+            </p:txBody>
+          </p:sp>
+          <p:cxnSp>
+            <p:nvCxnSpPr>
+              <p:cNvPr id="17" name="Connecteur droit avec flèche 16">
+                <a:extLst>
+                  <a:ext uri="{FF2B5EF4-FFF2-40B4-BE49-F238E27FC236}">
+                    <a16:creationId xmlns:a16="http://schemas.microsoft.com/office/drawing/2014/main" id="{7DE5A0BD-1815-46AB-9DCE-113C28B6F752}"/>
+                  </a:ext>
+                </a:extLst>
+              </p:cNvPr>
+              <p:cNvCxnSpPr>
+                <a:cxnSpLocks/>
+                <a:stCxn id="14" idx="0"/>
+                <a:endCxn id="15" idx="2"/>
+              </p:cNvCxnSpPr>
+              <p:nvPr/>
+            </p:nvCxnSpPr>
+            <p:spPr>
+              <a:xfrm flipV="1">
+                <a:off x="6651303" y="4868006"/>
+                <a:ext cx="1" cy="589956"/>
+              </a:xfrm>
+              <a:prstGeom prst="straightConnector1">
+                <a:avLst/>
+              </a:prstGeom>
+              <a:ln w="28575">
+                <a:solidFill>
+                  <a:schemeClr val="tx1"/>
+                </a:solidFill>
+                <a:tailEnd type="triangle"/>
+              </a:ln>
+            </p:spPr>
+            <p:style>
+              <a:lnRef idx="1">
+                <a:schemeClr val="accent1"/>
+              </a:lnRef>
+              <a:fillRef idx="0">
+                <a:schemeClr val="accent1"/>
+              </a:fillRef>
+              <a:effectRef idx="0">
+                <a:schemeClr val="accent1"/>
+              </a:effectRef>
+              <a:fontRef idx="minor">
+                <a:schemeClr val="tx1"/>
+              </a:fontRef>
+            </p:style>
+          </p:cxnSp>
+          <p:cxnSp>
+            <p:nvCxnSpPr>
+              <p:cNvPr id="18" name="Connecteur droit avec flèche 17">
+                <a:extLst>
+                  <a:ext uri="{FF2B5EF4-FFF2-40B4-BE49-F238E27FC236}">
+                    <a16:creationId xmlns:a16="http://schemas.microsoft.com/office/drawing/2014/main" id="{CC6B4F48-F1CA-452A-8D66-D5DDD11177A6}"/>
+                  </a:ext>
+                </a:extLst>
+              </p:cNvPr>
+              <p:cNvCxnSpPr>
+                <a:cxnSpLocks/>
+              </p:cNvCxnSpPr>
+              <p:nvPr/>
+            </p:nvCxnSpPr>
+            <p:spPr>
+              <a:xfrm flipV="1">
+                <a:off x="6128083" y="2210762"/>
+                <a:ext cx="0" cy="1222341"/>
+              </a:xfrm>
+              <a:prstGeom prst="straightConnector1">
+                <a:avLst/>
+              </a:prstGeom>
+              <a:ln w="28575">
+                <a:solidFill>
+                  <a:schemeClr val="tx1"/>
+                </a:solidFill>
+                <a:tailEnd type="triangle"/>
+              </a:ln>
+            </p:spPr>
+            <p:style>
+              <a:lnRef idx="1">
+                <a:schemeClr val="accent1"/>
+              </a:lnRef>
+              <a:fillRef idx="0">
+                <a:schemeClr val="accent1"/>
+              </a:fillRef>
+              <a:effectRef idx="0">
+                <a:schemeClr val="accent1"/>
+              </a:effectRef>
+              <a:fontRef idx="minor">
+                <a:schemeClr val="tx1"/>
+              </a:fontRef>
+            </p:style>
+          </p:cxnSp>
+          <p:sp>
+            <p:nvSpPr>
+              <p:cNvPr id="19" name="ZoneTexte 18">
+                <a:extLst>
+                  <a:ext uri="{FF2B5EF4-FFF2-40B4-BE49-F238E27FC236}">
+                    <a16:creationId xmlns:a16="http://schemas.microsoft.com/office/drawing/2014/main" id="{AD2FD54A-B949-438B-94B3-E10B6350B3B6}"/>
+                  </a:ext>
+                </a:extLst>
+              </p:cNvPr>
+              <p:cNvSpPr txBox="1"/>
+              <p:nvPr/>
+            </p:nvSpPr>
+            <p:spPr>
+              <a:xfrm>
+                <a:off x="6232356" y="5049556"/>
+                <a:ext cx="842211" cy="307777"/>
+              </a:xfrm>
+              <a:prstGeom prst="rect">
+                <a:avLst/>
+              </a:prstGeom>
+              <a:solidFill>
+                <a:schemeClr val="bg1"/>
+              </a:solidFill>
+            </p:spPr>
+            <p:txBody>
+              <a:bodyPr wrap="square" lIns="0" tIns="0" rIns="0" bIns="0" rtlCol="0">
+                <a:spAutoFit/>
+              </a:bodyPr>
+              <a:lstStyle/>
+              <a:p>
+                <a:pPr algn="ctr"/>
+                <a:r>
+                  <a:rPr lang="en-US" sz="2000" dirty="0"/>
+                  <a:t>Notify</a:t>
+                </a:r>
+              </a:p>
+            </p:txBody>
+          </p:sp>
+          <p:cxnSp>
+            <p:nvCxnSpPr>
+              <p:cNvPr id="22" name="Connecteur droit avec flèche 21">
+                <a:extLst>
+                  <a:ext uri="{FF2B5EF4-FFF2-40B4-BE49-F238E27FC236}">
+                    <a16:creationId xmlns:a16="http://schemas.microsoft.com/office/drawing/2014/main" id="{B0E6C4B7-FCFF-4949-89DF-6E9B3CE47AD4}"/>
+                  </a:ext>
+                </a:extLst>
+              </p:cNvPr>
+              <p:cNvCxnSpPr>
+                <a:cxnSpLocks/>
+              </p:cNvCxnSpPr>
+              <p:nvPr/>
+            </p:nvCxnSpPr>
+            <p:spPr>
+              <a:xfrm>
+                <a:off x="7074567" y="2215423"/>
+                <a:ext cx="0" cy="1688209"/>
+              </a:xfrm>
+              <a:prstGeom prst="straightConnector1">
+                <a:avLst/>
+              </a:prstGeom>
+              <a:ln w="28575">
+                <a:solidFill>
+                  <a:schemeClr val="tx1"/>
+                </a:solidFill>
+                <a:tailEnd type="triangle"/>
+              </a:ln>
+            </p:spPr>
+            <p:style>
+              <a:lnRef idx="1">
+                <a:schemeClr val="accent1"/>
+              </a:lnRef>
+              <a:fillRef idx="0">
+                <a:schemeClr val="accent1"/>
+              </a:fillRef>
+              <a:effectRef idx="0">
+                <a:schemeClr val="accent1"/>
+              </a:effectRef>
+              <a:fontRef idx="minor">
+                <a:schemeClr val="tx1"/>
+              </a:fontRef>
+            </p:style>
+          </p:cxnSp>
+          <p:sp>
+            <p:nvSpPr>
+              <p:cNvPr id="23" name="ZoneTexte 22">
+                <a:extLst>
+                  <a:ext uri="{FF2B5EF4-FFF2-40B4-BE49-F238E27FC236}">
+                    <a16:creationId xmlns:a16="http://schemas.microsoft.com/office/drawing/2014/main" id="{FC1ED1BD-72BB-4B53-9356-91756EECC949}"/>
+                  </a:ext>
+                </a:extLst>
+              </p:cNvPr>
+              <p:cNvSpPr txBox="1"/>
+              <p:nvPr/>
+            </p:nvSpPr>
+            <p:spPr>
+              <a:xfrm>
+                <a:off x="5694418" y="2662793"/>
+                <a:ext cx="842211" cy="307777"/>
+              </a:xfrm>
+              <a:prstGeom prst="rect">
+                <a:avLst/>
+              </a:prstGeom>
+              <a:solidFill>
+                <a:schemeClr val="bg1"/>
+              </a:solidFill>
+            </p:spPr>
+            <p:txBody>
+              <a:bodyPr wrap="square" lIns="0" tIns="0" rIns="0" bIns="0" rtlCol="0">
+                <a:spAutoFit/>
+              </a:bodyPr>
+              <a:lstStyle/>
+              <a:p>
+                <a:pPr algn="ctr"/>
+                <a:r>
+                  <a:rPr lang="en-US" sz="2000" dirty="0"/>
+                  <a:t>Call</a:t>
+                </a:r>
+              </a:p>
+            </p:txBody>
+          </p:sp>
+          <p:sp>
+            <p:nvSpPr>
+              <p:cNvPr id="24" name="ZoneTexte 23">
+                <a:extLst>
+                  <a:ext uri="{FF2B5EF4-FFF2-40B4-BE49-F238E27FC236}">
+                    <a16:creationId xmlns:a16="http://schemas.microsoft.com/office/drawing/2014/main" id="{87D2D689-3553-49CD-8B7F-0E72FD4E35E0}"/>
+                  </a:ext>
+                </a:extLst>
+              </p:cNvPr>
+              <p:cNvSpPr txBox="1"/>
+              <p:nvPr/>
+            </p:nvSpPr>
+            <p:spPr>
+              <a:xfrm>
+                <a:off x="6495602" y="2508906"/>
+                <a:ext cx="1113734" cy="615553"/>
+              </a:xfrm>
+              <a:prstGeom prst="rect">
+                <a:avLst/>
+              </a:prstGeom>
+              <a:solidFill>
+                <a:schemeClr val="bg1"/>
+              </a:solidFill>
+            </p:spPr>
+            <p:txBody>
+              <a:bodyPr wrap="square" lIns="0" tIns="0" rIns="0" bIns="0" rtlCol="0">
+                <a:spAutoFit/>
+              </a:bodyPr>
+              <a:lstStyle/>
+              <a:p>
+                <a:pPr algn="ctr"/>
+                <a:r>
+                  <a:rPr lang="en-US" sz="2000" dirty="0"/>
+                  <a:t>Generate new</a:t>
+                </a:r>
+              </a:p>
+            </p:txBody>
+          </p:sp>
+        </p:grpSp>
+        <p:sp>
+          <p:nvSpPr>
+            <p:cNvPr id="39" name="Rectangle : coins arrondis 38">
+              <a:extLst>
+                <a:ext uri="{FF2B5EF4-FFF2-40B4-BE49-F238E27FC236}">
+                  <a16:creationId xmlns:a16="http://schemas.microsoft.com/office/drawing/2014/main" id="{07D36F50-A968-4888-846D-83B4F39F212C}"/>
+                </a:ext>
+              </a:extLst>
+            </p:cNvPr>
+            <p:cNvSpPr/>
+            <p:nvPr/>
+          </p:nvSpPr>
+          <p:spPr>
+            <a:xfrm>
+              <a:off x="1125733" y="3952542"/>
+              <a:ext cx="1540043" cy="794084"/>
+            </a:xfrm>
+            <a:prstGeom prst="roundRect">
+              <a:avLst/>
+            </a:prstGeom>
+            <a:solidFill>
+              <a:schemeClr val="accent6">
+                <a:lumMod val="20000"/>
+                <a:lumOff val="80000"/>
+              </a:schemeClr>
+            </a:solidFill>
+            <a:ln w="28575">
+              <a:solidFill>
+                <a:schemeClr val="accent6">
+                  <a:lumMod val="50000"/>
+                </a:schemeClr>
+              </a:solidFill>
+            </a:ln>
+          </p:spPr>
+          <p:style>
+            <a:lnRef idx="2">
+              <a:schemeClr val="accent1">
+                <a:shade val="50000"/>
+              </a:schemeClr>
+            </a:lnRef>
+            <a:fillRef idx="1">
+              <a:schemeClr val="accent1"/>
+            </a:fillRef>
+            <a:effectRef idx="0">
+              <a:schemeClr val="accent1"/>
+            </a:effectRef>
+            <a:fontRef idx="minor">
+              <a:schemeClr val="lt1"/>
+            </a:fontRef>
+          </p:style>
+          <p:txBody>
+            <a:bodyPr rtlCol="0" anchor="ctr"/>
+            <a:lstStyle/>
+            <a:p>
+              <a:pPr algn="ctr"/>
+              <a:r>
+                <a:rPr lang="en-US" dirty="0">
+                  <a:solidFill>
+                    <a:schemeClr val="tx1"/>
+                  </a:solidFill>
+                </a:rPr>
+                <a:t>Plot</a:t>
+              </a:r>
+            </a:p>
+          </p:txBody>
+        </p:sp>
+      </p:grpSp>
     </p:spTree>
     <p:extLst>
       <p:ext uri="{BB962C8B-B14F-4D97-AF65-F5344CB8AC3E}">
-        <p14:creationId xmlns:p14="http://schemas.microsoft.com/office/powerpoint/2010/main" val="2365419020"/>
+        <p14:creationId xmlns:p14="http://schemas.microsoft.com/office/powerpoint/2010/main" val="2384471297"/>
       </p:ext>
     </p:extLst>
   </p:cSld>
   <p:clrMapOvr>
     <a:masterClrMapping/>
   </p:clrMapOvr>
+  <mc:AlternateContent xmlns:mc="http://schemas.openxmlformats.org/markup-compatibility/2006">
+    <mc:Choice xmlns:p159="http://schemas.microsoft.com/office/powerpoint/2015/09/main" Requires="p159">
+      <p:transition xmlns:p14="http://schemas.microsoft.com/office/powerpoint/2010/main" spd="slow" p14:dur="2000">
+        <p159:morph option="byObject"/>
+      </p:transition>
+    </mc:Choice>
+    <mc:Fallback>
+      <p:transition spd="slow">
+        <p:fade/>
+      </p:transition>
+    </mc:Fallback>
+  </mc:AlternateContent>
   <p:timing>
     <p:tnLst>
       <p:par>
@@ -10007,7 +10432,7 @@
                             </p:stCondLst>
                             <p:childTnLst>
                               <p:par>
-                                <p:cTn id="5" presetID="10" presetClass="entr" presetSubtype="0" fill="hold" grpId="0" nodeType="clickEffect">
+                                <p:cTn id="5" presetID="10" presetClass="entr" presetSubtype="0" fill="hold" nodeType="clickEffect">
                                   <p:stCondLst>
                                     <p:cond delay="0"/>
                                   </p:stCondLst>
@@ -10020,7 +10445,7 @@
                                           </p:stCondLst>
                                         </p:cTn>
                                         <p:tgtEl>
-                                          <p:spTgt spid="35"/>
+                                          <p:spTgt spid="21"/>
                                         </p:tgtEl>
                                         <p:attrNameLst>
                                           <p:attrName>style.visibility</p:attrName>
@@ -10034,7 +10459,7 @@
                                       <p:cBhvr>
                                         <p:cTn id="7" dur="500"/>
                                         <p:tgtEl>
-                                          <p:spTgt spid="35"/>
+                                          <p:spTgt spid="21"/>
                                         </p:tgtEl>
                                       </p:cBhvr>
                                     </p:animEffect>
@@ -10068,14 +10493,940 @@
         </p:cTn>
       </p:par>
     </p:tnLst>
-    <p:bldLst>
-      <p:bldP spid="35" grpId="0"/>
-    </p:bldLst>
   </p:timing>
 </p:sld>
 </file>
 
 <file path=ppt/slides/slide6.xml><?xml version="1.0" encoding="utf-8"?>
+<p:sld xmlns:a="http://schemas.openxmlformats.org/drawingml/2006/main" xmlns:r="http://schemas.openxmlformats.org/officeDocument/2006/relationships" xmlns:p="http://schemas.openxmlformats.org/presentationml/2006/main">
+  <p:cSld>
+    <p:spTree>
+      <p:nvGrpSpPr>
+        <p:cNvPr id="1" name=""/>
+        <p:cNvGrpSpPr/>
+        <p:nvPr/>
+      </p:nvGrpSpPr>
+      <p:grpSpPr>
+        <a:xfrm>
+          <a:off x="0" y="0"/>
+          <a:ext cx="0" cy="0"/>
+          <a:chOff x="0" y="0"/>
+          <a:chExt cx="0" cy="0"/>
+        </a:xfrm>
+      </p:grpSpPr>
+      <p:sp>
+        <p:nvSpPr>
+          <p:cNvPr id="2" name="Titre 1">
+            <a:extLst>
+              <a:ext uri="{FF2B5EF4-FFF2-40B4-BE49-F238E27FC236}">
+                <a16:creationId xmlns:a16="http://schemas.microsoft.com/office/drawing/2014/main" id="{6D776C04-23E6-4957-9B84-37021A4D7317}"/>
+              </a:ext>
+            </a:extLst>
+          </p:cNvPr>
+          <p:cNvSpPr>
+            <a:spLocks noGrp="1"/>
+          </p:cNvSpPr>
+          <p:nvPr>
+            <p:ph type="title"/>
+          </p:nvPr>
+        </p:nvSpPr>
+        <p:spPr/>
+        <p:txBody>
+          <a:bodyPr>
+            <a:normAutofit/>
+          </a:bodyPr>
+          <a:lstStyle/>
+          <a:p>
+            <a:r>
+              <a:rPr lang="en-US" dirty="0"/>
+              <a:t>Animation work by observing time</a:t>
+            </a:r>
+          </a:p>
+        </p:txBody>
+      </p:sp>
+      <p:sp>
+        <p:nvSpPr>
+          <p:cNvPr id="3" name="Espace réservé du numéro de diapositive 2">
+            <a:extLst>
+              <a:ext uri="{FF2B5EF4-FFF2-40B4-BE49-F238E27FC236}">
+                <a16:creationId xmlns:a16="http://schemas.microsoft.com/office/drawing/2014/main" id="{8D803886-FEED-4254-BE14-58FF7F0299BD}"/>
+              </a:ext>
+            </a:extLst>
+          </p:cNvPr>
+          <p:cNvSpPr>
+            <a:spLocks noGrp="1"/>
+          </p:cNvSpPr>
+          <p:nvPr>
+            <p:ph type="sldNum" sz="quarter" idx="12"/>
+          </p:nvPr>
+        </p:nvSpPr>
+        <p:spPr/>
+        <p:txBody>
+          <a:bodyPr/>
+          <a:lstStyle/>
+          <a:p>
+            <a:fld id="{C7BFCD0E-475B-4F56-BC96-63AB66DBA93E}" type="slidenum">
+              <a:rPr lang="en-US" noProof="0" smtClean="0"/>
+              <a:t>6</a:t>
+            </a:fld>
+            <a:endParaRPr lang="en-US" noProof="0" dirty="0"/>
+          </a:p>
+        </p:txBody>
+      </p:sp>
+      <p:grpSp>
+        <p:nvGrpSpPr>
+          <p:cNvPr id="21" name="Groupe 20">
+            <a:extLst>
+              <a:ext uri="{FF2B5EF4-FFF2-40B4-BE49-F238E27FC236}">
+                <a16:creationId xmlns:a16="http://schemas.microsoft.com/office/drawing/2014/main" id="{8332306E-7E57-4DF3-BFEE-2F66740D26D1}"/>
+              </a:ext>
+            </a:extLst>
+          </p:cNvPr>
+          <p:cNvGrpSpPr/>
+          <p:nvPr/>
+        </p:nvGrpSpPr>
+        <p:grpSpPr>
+          <a:xfrm>
+            <a:off x="1026195" y="1455090"/>
+            <a:ext cx="1779665" cy="4889930"/>
+            <a:chOff x="1441289" y="1353534"/>
+            <a:chExt cx="1779665" cy="4889930"/>
+          </a:xfrm>
+        </p:grpSpPr>
+        <p:sp>
+          <p:nvSpPr>
+            <p:cNvPr id="5" name="Rectangle : coins arrondis 4">
+              <a:extLst>
+                <a:ext uri="{FF2B5EF4-FFF2-40B4-BE49-F238E27FC236}">
+                  <a16:creationId xmlns:a16="http://schemas.microsoft.com/office/drawing/2014/main" id="{D5A6BB71-7B31-44FA-9691-E13A0090709F}"/>
+                </a:ext>
+              </a:extLst>
+            </p:cNvPr>
+            <p:cNvSpPr/>
+            <p:nvPr/>
+          </p:nvSpPr>
+          <p:spPr>
+            <a:xfrm>
+              <a:off x="1561104" y="5449380"/>
+              <a:ext cx="1540043" cy="794084"/>
+            </a:xfrm>
+            <a:prstGeom prst="roundRect">
+              <a:avLst/>
+            </a:prstGeom>
+            <a:solidFill>
+              <a:schemeClr val="accent5">
+                <a:lumMod val="20000"/>
+                <a:lumOff val="80000"/>
+              </a:schemeClr>
+            </a:solidFill>
+            <a:ln w="28575"/>
+          </p:spPr>
+          <p:style>
+            <a:lnRef idx="2">
+              <a:schemeClr val="accent1">
+                <a:shade val="50000"/>
+              </a:schemeClr>
+            </a:lnRef>
+            <a:fillRef idx="1">
+              <a:schemeClr val="accent1"/>
+            </a:fillRef>
+            <a:effectRef idx="0">
+              <a:schemeClr val="accent1"/>
+            </a:effectRef>
+            <a:fontRef idx="minor">
+              <a:schemeClr val="lt1"/>
+            </a:fontRef>
+          </p:style>
+          <p:txBody>
+            <a:bodyPr rtlCol="0" anchor="ctr"/>
+            <a:lstStyle/>
+            <a:p>
+              <a:pPr algn="ctr"/>
+              <a:r>
+                <a:rPr lang="en-US" dirty="0">
+                  <a:solidFill>
+                    <a:schemeClr val="tx1"/>
+                  </a:solidFill>
+                </a:rPr>
+                <a:t>Observable</a:t>
+              </a:r>
+            </a:p>
+          </p:txBody>
+        </p:sp>
+        <p:sp>
+          <p:nvSpPr>
+            <p:cNvPr id="7" name="Rectangle : coins arrondis 6">
+              <a:extLst>
+                <a:ext uri="{FF2B5EF4-FFF2-40B4-BE49-F238E27FC236}">
+                  <a16:creationId xmlns:a16="http://schemas.microsoft.com/office/drawing/2014/main" id="{D63CE255-5914-4A13-BF8C-6CDC36F50AC2}"/>
+                </a:ext>
+              </a:extLst>
+            </p:cNvPr>
+            <p:cNvSpPr/>
+            <p:nvPr/>
+          </p:nvSpPr>
+          <p:spPr>
+            <a:xfrm>
+              <a:off x="1561102" y="3375988"/>
+              <a:ext cx="1540043" cy="794084"/>
+            </a:xfrm>
+            <a:prstGeom prst="roundRect">
+              <a:avLst/>
+            </a:prstGeom>
+            <a:solidFill>
+              <a:schemeClr val="accent2">
+                <a:lumMod val="20000"/>
+                <a:lumOff val="80000"/>
+              </a:schemeClr>
+            </a:solidFill>
+            <a:ln w="28575">
+              <a:solidFill>
+                <a:schemeClr val="accent2">
+                  <a:lumMod val="75000"/>
+                </a:schemeClr>
+              </a:solidFill>
+            </a:ln>
+          </p:spPr>
+          <p:style>
+            <a:lnRef idx="2">
+              <a:schemeClr val="accent1">
+                <a:shade val="50000"/>
+              </a:schemeClr>
+            </a:lnRef>
+            <a:fillRef idx="1">
+              <a:schemeClr val="accent1"/>
+            </a:fillRef>
+            <a:effectRef idx="0">
+              <a:schemeClr val="accent1"/>
+            </a:effectRef>
+            <a:fontRef idx="minor">
+              <a:schemeClr val="lt1"/>
+            </a:fontRef>
+          </p:style>
+          <p:txBody>
+            <a:bodyPr rtlCol="0" anchor="ctr"/>
+            <a:lstStyle/>
+            <a:p>
+              <a:pPr algn="ctr"/>
+              <a:r>
+                <a:rPr lang="en-US" dirty="0">
+                  <a:solidFill>
+                    <a:schemeClr val="tx1"/>
+                  </a:solidFill>
+                </a:rPr>
+                <a:t>Callback</a:t>
+              </a:r>
+            </a:p>
+          </p:txBody>
+        </p:sp>
+        <p:cxnSp>
+          <p:nvCxnSpPr>
+            <p:cNvPr id="8" name="Connecteur droit avec flèche 7">
+              <a:extLst>
+                <a:ext uri="{FF2B5EF4-FFF2-40B4-BE49-F238E27FC236}">
+                  <a16:creationId xmlns:a16="http://schemas.microsoft.com/office/drawing/2014/main" id="{7FD7366F-DC3F-4030-95ED-BF57F40705FD}"/>
+                </a:ext>
+              </a:extLst>
+            </p:cNvPr>
+            <p:cNvCxnSpPr>
+              <a:cxnSpLocks/>
+              <a:stCxn id="5" idx="0"/>
+              <a:endCxn id="7" idx="2"/>
+            </p:cNvCxnSpPr>
+            <p:nvPr/>
+          </p:nvCxnSpPr>
+          <p:spPr>
+            <a:xfrm flipH="1" flipV="1">
+              <a:off x="2331124" y="4170072"/>
+              <a:ext cx="2" cy="1279308"/>
+            </a:xfrm>
+            <a:prstGeom prst="straightConnector1">
+              <a:avLst/>
+            </a:prstGeom>
+            <a:ln w="28575">
+              <a:solidFill>
+                <a:schemeClr val="tx1"/>
+              </a:solidFill>
+              <a:tailEnd type="triangle"/>
+            </a:ln>
+          </p:spPr>
+          <p:style>
+            <a:lnRef idx="1">
+              <a:schemeClr val="accent1"/>
+            </a:lnRef>
+            <a:fillRef idx="0">
+              <a:schemeClr val="accent1"/>
+            </a:fillRef>
+            <a:effectRef idx="0">
+              <a:schemeClr val="accent1"/>
+            </a:effectRef>
+            <a:fontRef idx="minor">
+              <a:schemeClr val="tx1"/>
+            </a:fontRef>
+          </p:style>
+        </p:cxnSp>
+        <p:cxnSp>
+          <p:nvCxnSpPr>
+            <p:cNvPr id="9" name="Connecteur droit avec flèche 8">
+              <a:extLst>
+                <a:ext uri="{FF2B5EF4-FFF2-40B4-BE49-F238E27FC236}">
+                  <a16:creationId xmlns:a16="http://schemas.microsoft.com/office/drawing/2014/main" id="{4DC0ECC4-24F6-425F-8F64-C50A4E8C23AA}"/>
+                </a:ext>
+              </a:extLst>
+            </p:cNvPr>
+            <p:cNvCxnSpPr>
+              <a:cxnSpLocks/>
+              <a:stCxn id="7" idx="0"/>
+              <a:endCxn id="20" idx="2"/>
+            </p:cNvCxnSpPr>
+            <p:nvPr/>
+          </p:nvCxnSpPr>
+          <p:spPr>
+            <a:xfrm flipV="1">
+              <a:off x="2331124" y="2147618"/>
+              <a:ext cx="0" cy="1228370"/>
+            </a:xfrm>
+            <a:prstGeom prst="straightConnector1">
+              <a:avLst/>
+            </a:prstGeom>
+            <a:ln w="28575">
+              <a:solidFill>
+                <a:schemeClr val="tx1"/>
+              </a:solidFill>
+              <a:tailEnd type="triangle"/>
+            </a:ln>
+          </p:spPr>
+          <p:style>
+            <a:lnRef idx="1">
+              <a:schemeClr val="accent1"/>
+            </a:lnRef>
+            <a:fillRef idx="0">
+              <a:schemeClr val="accent1"/>
+            </a:fillRef>
+            <a:effectRef idx="0">
+              <a:schemeClr val="accent1"/>
+            </a:effectRef>
+            <a:fontRef idx="minor">
+              <a:schemeClr val="tx1"/>
+            </a:fontRef>
+          </p:style>
+        </p:cxnSp>
+        <p:sp>
+          <p:nvSpPr>
+            <p:cNvPr id="10" name="ZoneTexte 9">
+              <a:extLst>
+                <a:ext uri="{FF2B5EF4-FFF2-40B4-BE49-F238E27FC236}">
+                  <a16:creationId xmlns:a16="http://schemas.microsoft.com/office/drawing/2014/main" id="{0A3171A9-3599-487B-9014-A5661670AEEC}"/>
+                </a:ext>
+              </a:extLst>
+            </p:cNvPr>
+            <p:cNvSpPr txBox="1"/>
+            <p:nvPr/>
+          </p:nvSpPr>
+          <p:spPr>
+            <a:xfrm>
+              <a:off x="1441289" y="4689134"/>
+              <a:ext cx="1779665" cy="307777"/>
+            </a:xfrm>
+            <a:prstGeom prst="rect">
+              <a:avLst/>
+            </a:prstGeom>
+            <a:solidFill>
+              <a:schemeClr val="bg1"/>
+            </a:solidFill>
+          </p:spPr>
+          <p:txBody>
+            <a:bodyPr wrap="square" lIns="0" tIns="0" rIns="0" bIns="0" rtlCol="0">
+              <a:spAutoFit/>
+            </a:bodyPr>
+            <a:lstStyle/>
+            <a:p>
+              <a:pPr algn="ctr"/>
+              <a:r>
+                <a:rPr lang="en-US" sz="2000" dirty="0"/>
+                <a:t>Call on change</a:t>
+              </a:r>
+            </a:p>
+          </p:txBody>
+        </p:sp>
+        <p:sp>
+          <p:nvSpPr>
+            <p:cNvPr id="12" name="ZoneTexte 11">
+              <a:extLst>
+                <a:ext uri="{FF2B5EF4-FFF2-40B4-BE49-F238E27FC236}">
+                  <a16:creationId xmlns:a16="http://schemas.microsoft.com/office/drawing/2014/main" id="{2B016486-4E01-409C-B3D4-753E5F0382CF}"/>
+                </a:ext>
+              </a:extLst>
+            </p:cNvPr>
+            <p:cNvSpPr txBox="1"/>
+            <p:nvPr/>
+          </p:nvSpPr>
+          <p:spPr>
+            <a:xfrm>
+              <a:off x="1701974" y="2607914"/>
+              <a:ext cx="1258297" cy="307777"/>
+            </a:xfrm>
+            <a:prstGeom prst="rect">
+              <a:avLst/>
+            </a:prstGeom>
+            <a:solidFill>
+              <a:schemeClr val="bg1"/>
+            </a:solidFill>
+          </p:spPr>
+          <p:txBody>
+            <a:bodyPr wrap="square" lIns="0" tIns="0" rIns="0" bIns="0" rtlCol="0">
+              <a:spAutoFit/>
+            </a:bodyPr>
+            <a:lstStyle/>
+            <a:p>
+              <a:pPr algn="ctr"/>
+              <a:r>
+                <a:rPr lang="en-US" sz="2000" dirty="0"/>
+                <a:t>Generate</a:t>
+              </a:r>
+            </a:p>
+          </p:txBody>
+        </p:sp>
+        <p:sp>
+          <p:nvSpPr>
+            <p:cNvPr id="20" name="Rectangle : coins arrondis 19">
+              <a:extLst>
+                <a:ext uri="{FF2B5EF4-FFF2-40B4-BE49-F238E27FC236}">
+                  <a16:creationId xmlns:a16="http://schemas.microsoft.com/office/drawing/2014/main" id="{3036E8BE-C709-478C-8E6E-2398A3798411}"/>
+                </a:ext>
+              </a:extLst>
+            </p:cNvPr>
+            <p:cNvSpPr/>
+            <p:nvPr/>
+          </p:nvSpPr>
+          <p:spPr>
+            <a:xfrm>
+              <a:off x="1561102" y="1353534"/>
+              <a:ext cx="1540043" cy="794084"/>
+            </a:xfrm>
+            <a:prstGeom prst="roundRect">
+              <a:avLst/>
+            </a:prstGeom>
+            <a:solidFill>
+              <a:schemeClr val="accent6">
+                <a:lumMod val="20000"/>
+                <a:lumOff val="80000"/>
+              </a:schemeClr>
+            </a:solidFill>
+            <a:ln w="28575">
+              <a:solidFill>
+                <a:schemeClr val="accent6">
+                  <a:lumMod val="50000"/>
+                </a:schemeClr>
+              </a:solidFill>
+            </a:ln>
+          </p:spPr>
+          <p:style>
+            <a:lnRef idx="2">
+              <a:schemeClr val="accent1">
+                <a:shade val="50000"/>
+              </a:schemeClr>
+            </a:lnRef>
+            <a:fillRef idx="1">
+              <a:schemeClr val="accent1"/>
+            </a:fillRef>
+            <a:effectRef idx="0">
+              <a:schemeClr val="accent1"/>
+            </a:effectRef>
+            <a:fontRef idx="minor">
+              <a:schemeClr val="lt1"/>
+            </a:fontRef>
+          </p:style>
+          <p:txBody>
+            <a:bodyPr rtlCol="0" anchor="ctr"/>
+            <a:lstStyle/>
+            <a:p>
+              <a:pPr algn="ctr"/>
+              <a:r>
+                <a:rPr lang="en-US" dirty="0">
+                  <a:solidFill>
+                    <a:schemeClr val="tx1"/>
+                  </a:solidFill>
+                </a:rPr>
+                <a:t>Plot</a:t>
+              </a:r>
+            </a:p>
+          </p:txBody>
+        </p:sp>
+      </p:grpSp>
+      <p:grpSp>
+        <p:nvGrpSpPr>
+          <p:cNvPr id="38" name="Groupe 37">
+            <a:extLst>
+              <a:ext uri="{FF2B5EF4-FFF2-40B4-BE49-F238E27FC236}">
+                <a16:creationId xmlns:a16="http://schemas.microsoft.com/office/drawing/2014/main" id="{7ED99329-622E-44E8-B67B-EED6CA1DFA2B}"/>
+              </a:ext>
+            </a:extLst>
+          </p:cNvPr>
+          <p:cNvGrpSpPr/>
+          <p:nvPr/>
+        </p:nvGrpSpPr>
+        <p:grpSpPr>
+          <a:xfrm>
+            <a:off x="2686051" y="1459284"/>
+            <a:ext cx="3397629" cy="4901263"/>
+            <a:chOff x="2197827" y="1455088"/>
+            <a:chExt cx="3397629" cy="4901263"/>
+          </a:xfrm>
+        </p:grpSpPr>
+        <p:cxnSp>
+          <p:nvCxnSpPr>
+            <p:cNvPr id="25" name="Connecteur droit avec flèche 24">
+              <a:extLst>
+                <a:ext uri="{FF2B5EF4-FFF2-40B4-BE49-F238E27FC236}">
+                  <a16:creationId xmlns:a16="http://schemas.microsoft.com/office/drawing/2014/main" id="{C9D88812-708E-41E8-8777-FDAD2F5D6BE9}"/>
+                </a:ext>
+              </a:extLst>
+            </p:cNvPr>
+            <p:cNvCxnSpPr>
+              <a:cxnSpLocks/>
+              <a:stCxn id="20" idx="3"/>
+              <a:endCxn id="26" idx="1"/>
+            </p:cNvCxnSpPr>
+            <p:nvPr/>
+          </p:nvCxnSpPr>
+          <p:spPr>
+            <a:xfrm>
+              <a:off x="2197827" y="1847936"/>
+              <a:ext cx="1604151" cy="4195"/>
+            </a:xfrm>
+            <a:prstGeom prst="straightConnector1">
+              <a:avLst/>
+            </a:prstGeom>
+            <a:ln w="28575">
+              <a:solidFill>
+                <a:schemeClr val="bg1">
+                  <a:lumMod val="50000"/>
+                </a:schemeClr>
+              </a:solidFill>
+              <a:tailEnd type="triangle"/>
+            </a:ln>
+          </p:spPr>
+          <p:style>
+            <a:lnRef idx="1">
+              <a:schemeClr val="accent1"/>
+            </a:lnRef>
+            <a:fillRef idx="0">
+              <a:schemeClr val="accent1"/>
+            </a:fillRef>
+            <a:effectRef idx="0">
+              <a:schemeClr val="accent1"/>
+            </a:effectRef>
+            <a:fontRef idx="minor">
+              <a:schemeClr val="tx1"/>
+            </a:fontRef>
+          </p:style>
+        </p:cxnSp>
+        <p:sp>
+          <p:nvSpPr>
+            <p:cNvPr id="26" name="Rectangle : coins arrondis 25">
+              <a:extLst>
+                <a:ext uri="{FF2B5EF4-FFF2-40B4-BE49-F238E27FC236}">
+                  <a16:creationId xmlns:a16="http://schemas.microsoft.com/office/drawing/2014/main" id="{9B4C37E0-7D0E-418F-A224-893A675E1418}"/>
+                </a:ext>
+              </a:extLst>
+            </p:cNvPr>
+            <p:cNvSpPr/>
+            <p:nvPr/>
+          </p:nvSpPr>
+          <p:spPr>
+            <a:xfrm>
+              <a:off x="3801978" y="1455088"/>
+              <a:ext cx="1540043" cy="794085"/>
+            </a:xfrm>
+            <a:prstGeom prst="roundRect">
+              <a:avLst/>
+            </a:prstGeom>
+            <a:solidFill>
+              <a:srgbClr val="F1F8EC"/>
+            </a:solidFill>
+            <a:ln w="28575">
+              <a:solidFill>
+                <a:schemeClr val="accent6">
+                  <a:lumMod val="50000"/>
+                </a:schemeClr>
+              </a:solidFill>
+              <a:prstDash val="dash"/>
+            </a:ln>
+          </p:spPr>
+          <p:style>
+            <a:lnRef idx="2">
+              <a:schemeClr val="accent1">
+                <a:shade val="50000"/>
+              </a:schemeClr>
+            </a:lnRef>
+            <a:fillRef idx="1">
+              <a:schemeClr val="accent1"/>
+            </a:fillRef>
+            <a:effectRef idx="0">
+              <a:schemeClr val="accent1"/>
+            </a:effectRef>
+            <a:fontRef idx="minor">
+              <a:schemeClr val="lt1"/>
+            </a:fontRef>
+          </p:style>
+          <p:txBody>
+            <a:bodyPr rtlCol="0" anchor="ctr"/>
+            <a:lstStyle/>
+            <a:p>
+              <a:pPr algn="ctr"/>
+              <a:r>
+                <a:rPr lang="en-US" dirty="0">
+                  <a:solidFill>
+                    <a:schemeClr val="tx1"/>
+                  </a:solidFill>
+                </a:rPr>
+                <a:t>Frame</a:t>
+              </a:r>
+            </a:p>
+          </p:txBody>
+        </p:sp>
+        <p:sp>
+          <p:nvSpPr>
+            <p:cNvPr id="27" name="ZoneTexte 26">
+              <a:extLst>
+                <a:ext uri="{FF2B5EF4-FFF2-40B4-BE49-F238E27FC236}">
+                  <a16:creationId xmlns:a16="http://schemas.microsoft.com/office/drawing/2014/main" id="{53288333-1D5E-4227-9478-C56EC90B6D7D}"/>
+                </a:ext>
+              </a:extLst>
+            </p:cNvPr>
+            <p:cNvSpPr txBox="1"/>
+            <p:nvPr/>
+          </p:nvSpPr>
+          <p:spPr>
+            <a:xfrm>
+              <a:off x="2712169" y="1694046"/>
+              <a:ext cx="575465" cy="307777"/>
+            </a:xfrm>
+            <a:prstGeom prst="rect">
+              <a:avLst/>
+            </a:prstGeom>
+            <a:solidFill>
+              <a:schemeClr val="bg1"/>
+            </a:solidFill>
+          </p:spPr>
+          <p:txBody>
+            <a:bodyPr wrap="square" lIns="0" tIns="0" rIns="0" bIns="0" rtlCol="0">
+              <a:spAutoFit/>
+            </a:bodyPr>
+            <a:lstStyle/>
+            <a:p>
+              <a:pPr algn="ctr"/>
+              <a:r>
+                <a:rPr lang="en-US" sz="2000" dirty="0"/>
+                <a:t>Save</a:t>
+              </a:r>
+            </a:p>
+          </p:txBody>
+        </p:sp>
+        <p:sp>
+          <p:nvSpPr>
+            <p:cNvPr id="29" name="Rectangle : coins arrondis 28">
+              <a:extLst>
+                <a:ext uri="{FF2B5EF4-FFF2-40B4-BE49-F238E27FC236}">
+                  <a16:creationId xmlns:a16="http://schemas.microsoft.com/office/drawing/2014/main" id="{872EB84C-943F-42C7-909B-BEF661738A84}"/>
+                </a:ext>
+              </a:extLst>
+            </p:cNvPr>
+            <p:cNvSpPr/>
+            <p:nvPr/>
+          </p:nvSpPr>
+          <p:spPr>
+            <a:xfrm>
+              <a:off x="3801978" y="5562267"/>
+              <a:ext cx="1540043" cy="794084"/>
+            </a:xfrm>
+            <a:prstGeom prst="roundRect">
+              <a:avLst/>
+            </a:prstGeom>
+            <a:solidFill>
+              <a:srgbClr val="EFF5FB"/>
+            </a:solidFill>
+            <a:ln w="28575">
+              <a:prstDash val="dash"/>
+            </a:ln>
+          </p:spPr>
+          <p:style>
+            <a:lnRef idx="2">
+              <a:schemeClr val="accent1">
+                <a:shade val="50000"/>
+              </a:schemeClr>
+            </a:lnRef>
+            <a:fillRef idx="1">
+              <a:schemeClr val="accent1"/>
+            </a:fillRef>
+            <a:effectRef idx="0">
+              <a:schemeClr val="accent1"/>
+            </a:effectRef>
+            <a:fontRef idx="minor">
+              <a:schemeClr val="lt1"/>
+            </a:fontRef>
+          </p:style>
+          <p:txBody>
+            <a:bodyPr rtlCol="0" anchor="ctr"/>
+            <a:lstStyle/>
+            <a:p>
+              <a:pPr algn="ctr"/>
+              <a:r>
+                <a:rPr lang="en-US" dirty="0">
+                  <a:solidFill>
+                    <a:schemeClr val="tx1"/>
+                  </a:solidFill>
+                </a:rPr>
+                <a:t>Time</a:t>
+              </a:r>
+            </a:p>
+          </p:txBody>
+        </p:sp>
+        <p:cxnSp>
+          <p:nvCxnSpPr>
+            <p:cNvPr id="30" name="Connecteur droit avec flèche 29">
+              <a:extLst>
+                <a:ext uri="{FF2B5EF4-FFF2-40B4-BE49-F238E27FC236}">
+                  <a16:creationId xmlns:a16="http://schemas.microsoft.com/office/drawing/2014/main" id="{E6C9D281-234E-4BC2-B0F7-4E070AA0AC5C}"/>
+                </a:ext>
+              </a:extLst>
+            </p:cNvPr>
+            <p:cNvCxnSpPr>
+              <a:cxnSpLocks/>
+              <a:stCxn id="26" idx="2"/>
+              <a:endCxn id="29" idx="0"/>
+            </p:cNvCxnSpPr>
+            <p:nvPr/>
+          </p:nvCxnSpPr>
+          <p:spPr>
+            <a:xfrm>
+              <a:off x="4572000" y="2249173"/>
+              <a:ext cx="0" cy="3313094"/>
+            </a:xfrm>
+            <a:prstGeom prst="straightConnector1">
+              <a:avLst/>
+            </a:prstGeom>
+            <a:ln w="28575">
+              <a:solidFill>
+                <a:schemeClr val="bg1">
+                  <a:lumMod val="50000"/>
+                </a:schemeClr>
+              </a:solidFill>
+              <a:tailEnd type="triangle"/>
+            </a:ln>
+          </p:spPr>
+          <p:style>
+            <a:lnRef idx="1">
+              <a:schemeClr val="accent1"/>
+            </a:lnRef>
+            <a:fillRef idx="0">
+              <a:schemeClr val="accent1"/>
+            </a:fillRef>
+            <a:effectRef idx="0">
+              <a:schemeClr val="accent1"/>
+            </a:effectRef>
+            <a:fontRef idx="minor">
+              <a:schemeClr val="tx1"/>
+            </a:fontRef>
+          </p:style>
+        </p:cxnSp>
+        <p:cxnSp>
+          <p:nvCxnSpPr>
+            <p:cNvPr id="34" name="Connecteur droit avec flèche 33">
+              <a:extLst>
+                <a:ext uri="{FF2B5EF4-FFF2-40B4-BE49-F238E27FC236}">
+                  <a16:creationId xmlns:a16="http://schemas.microsoft.com/office/drawing/2014/main" id="{064445F0-9E63-4D90-B7DD-9A1943DDF2FB}"/>
+                </a:ext>
+              </a:extLst>
+            </p:cNvPr>
+            <p:cNvCxnSpPr>
+              <a:cxnSpLocks/>
+              <a:stCxn id="29" idx="1"/>
+              <a:endCxn id="5" idx="3"/>
+            </p:cNvCxnSpPr>
+            <p:nvPr/>
+          </p:nvCxnSpPr>
+          <p:spPr>
+            <a:xfrm flipH="1" flipV="1">
+              <a:off x="2197829" y="5943782"/>
+              <a:ext cx="1604149" cy="15527"/>
+            </a:xfrm>
+            <a:prstGeom prst="straightConnector1">
+              <a:avLst/>
+            </a:prstGeom>
+            <a:ln w="28575">
+              <a:solidFill>
+                <a:schemeClr val="bg1">
+                  <a:lumMod val="50000"/>
+                </a:schemeClr>
+              </a:solidFill>
+              <a:tailEnd type="triangle"/>
+            </a:ln>
+          </p:spPr>
+          <p:style>
+            <a:lnRef idx="1">
+              <a:schemeClr val="accent1"/>
+            </a:lnRef>
+            <a:fillRef idx="0">
+              <a:schemeClr val="accent1"/>
+            </a:fillRef>
+            <a:effectRef idx="0">
+              <a:schemeClr val="accent1"/>
+            </a:effectRef>
+            <a:fontRef idx="minor">
+              <a:schemeClr val="tx1"/>
+            </a:fontRef>
+          </p:style>
+        </p:cxnSp>
+        <p:sp>
+          <p:nvSpPr>
+            <p:cNvPr id="40" name="ZoneTexte 39">
+              <a:extLst>
+                <a:ext uri="{FF2B5EF4-FFF2-40B4-BE49-F238E27FC236}">
+                  <a16:creationId xmlns:a16="http://schemas.microsoft.com/office/drawing/2014/main" id="{FD52F7F1-9636-435B-9457-2BE536B51491}"/>
+                </a:ext>
+              </a:extLst>
+            </p:cNvPr>
+            <p:cNvSpPr txBox="1"/>
+            <p:nvPr/>
+          </p:nvSpPr>
+          <p:spPr>
+            <a:xfrm>
+              <a:off x="3548542" y="3720696"/>
+              <a:ext cx="2046914" cy="307777"/>
+            </a:xfrm>
+            <a:prstGeom prst="rect">
+              <a:avLst/>
+            </a:prstGeom>
+            <a:solidFill>
+              <a:schemeClr val="bg1"/>
+            </a:solidFill>
+          </p:spPr>
+          <p:txBody>
+            <a:bodyPr wrap="square" lIns="0" tIns="0" rIns="0" bIns="0" rtlCol="0">
+              <a:spAutoFit/>
+            </a:bodyPr>
+            <a:lstStyle/>
+            <a:p>
+              <a:pPr algn="ctr"/>
+              <a:r>
+                <a:rPr lang="en-US" sz="2000" dirty="0"/>
+                <a:t>Increment</a:t>
+              </a:r>
+            </a:p>
+          </p:txBody>
+        </p:sp>
+      </p:grpSp>
+    </p:spTree>
+    <p:extLst>
+      <p:ext uri="{BB962C8B-B14F-4D97-AF65-F5344CB8AC3E}">
+        <p14:creationId xmlns:p14="http://schemas.microsoft.com/office/powerpoint/2010/main" val="830243130"/>
+      </p:ext>
+    </p:extLst>
+  </p:cSld>
+  <p:clrMapOvr>
+    <a:masterClrMapping/>
+  </p:clrMapOvr>
+  <mc:AlternateContent xmlns:mc="http://schemas.openxmlformats.org/markup-compatibility/2006">
+    <mc:Choice xmlns:p159="http://schemas.microsoft.com/office/powerpoint/2015/09/main" Requires="p159">
+      <p:transition xmlns:p14="http://schemas.microsoft.com/office/powerpoint/2010/main" spd="slow" p14:dur="2000">
+        <p159:morph option="byObject"/>
+      </p:transition>
+    </mc:Choice>
+    <mc:Fallback>
+      <p:transition spd="slow">
+        <p:fade/>
+      </p:transition>
+    </mc:Fallback>
+  </mc:AlternateContent>
+  <p:timing>
+    <p:tnLst>
+      <p:par>
+        <p:cTn id="1" dur="indefinite" restart="never" nodeType="tmRoot">
+          <p:childTnLst>
+            <p:seq concurrent="1" nextAc="seek">
+              <p:cTn id="2" dur="indefinite" nodeType="mainSeq">
+                <p:childTnLst>
+                  <p:par>
+                    <p:cTn id="3" fill="hold">
+                      <p:stCondLst>
+                        <p:cond delay="indefinite"/>
+                      </p:stCondLst>
+                      <p:childTnLst>
+                        <p:par>
+                          <p:cTn id="4" fill="hold">
+                            <p:stCondLst>
+                              <p:cond delay="0"/>
+                            </p:stCondLst>
+                            <p:childTnLst>
+                              <p:par>
+                                <p:cTn id="5" presetID="10" presetClass="entr" presetSubtype="0" fill="hold" nodeType="clickEffect">
+                                  <p:stCondLst>
+                                    <p:cond delay="0"/>
+                                  </p:stCondLst>
+                                  <p:childTnLst>
+                                    <p:set>
+                                      <p:cBhvr>
+                                        <p:cTn id="6" dur="1" fill="hold">
+                                          <p:stCondLst>
+                                            <p:cond delay="0"/>
+                                          </p:stCondLst>
+                                        </p:cTn>
+                                        <p:tgtEl>
+                                          <p:spTgt spid="38"/>
+                                        </p:tgtEl>
+                                        <p:attrNameLst>
+                                          <p:attrName>style.visibility</p:attrName>
+                                        </p:attrNameLst>
+                                      </p:cBhvr>
+                                      <p:to>
+                                        <p:strVal val="visible"/>
+                                      </p:to>
+                                    </p:set>
+                                    <p:animEffect transition="in" filter="fade">
+                                      <p:cBhvr>
+                                        <p:cTn id="7" dur="500"/>
+                                        <p:tgtEl>
+                                          <p:spTgt spid="38"/>
+                                        </p:tgtEl>
+                                      </p:cBhvr>
+                                    </p:animEffect>
+                                  </p:childTnLst>
+                                </p:cTn>
+                              </p:par>
+                            </p:childTnLst>
+                          </p:cTn>
+                        </p:par>
+                      </p:childTnLst>
+                    </p:cTn>
+                  </p:par>
+                </p:childTnLst>
+              </p:cTn>
+              <p:prevCondLst>
+                <p:cond evt="onPrev" delay="0">
+                  <p:tgtEl>
+                    <p:sldTgt/>
+                  </p:tgtEl>
+                </p:cond>
+              </p:prevCondLst>
+              <p:nextCondLst>
+                <p:cond evt="onNext" delay="0">
+                  <p:tgtEl>
+                    <p:sldTgt/>
+                  </p:tgtEl>
+                </p:cond>
+              </p:nextCondLst>
+            </p:seq>
+          </p:childTnLst>
+        </p:cTn>
+      </p:par>
+    </p:tnLst>
+  </p:timing>
+</p:sld>
+</file>
+
+<file path=ppt/slides/slide7.xml><?xml version="1.0" encoding="utf-8"?>
 <p:sld xmlns:a="http://schemas.openxmlformats.org/drawingml/2006/main" xmlns:r="http://schemas.openxmlformats.org/officeDocument/2006/relationships" xmlns:p="http://schemas.openxmlformats.org/presentationml/2006/main">
   <p:cSld>
     <p:spTree>
@@ -10151,13 +11502,13 @@
           <a:p>
             <a:r>
               <a:rPr lang="en-US" sz="2400" dirty="0"/>
-              <a:t>Only need to define the manipulated observables</a:t>
+              <a:t>Simple</a:t>
             </a:r>
           </a:p>
           <a:p>
             <a:r>
               <a:rPr lang="en-US" sz="2400" dirty="0"/>
-              <a:t>Widgets  are automatically created</a:t>
+              <a:t>Automatic widgets</a:t>
             </a:r>
           </a:p>
         </p:txBody>
@@ -10214,7 +11565,7 @@
           <a:p>
             <a:fld id="{C7BFCD0E-475B-4F56-BC96-63AB66DBA93E}" type="slidenum">
               <a:rPr lang="en-US" noProof="0" smtClean="0"/>
-              <a:t>6</a:t>
+              <a:t>7</a:t>
             </a:fld>
             <a:endParaRPr lang="en-US" noProof="0"/>
           </a:p>
@@ -10230,10 +11581,221 @@
   <p:clrMapOvr>
     <a:masterClrMapping/>
   </p:clrMapOvr>
+  <mc:AlternateContent xmlns:mc="http://schemas.openxmlformats.org/markup-compatibility/2006">
+    <mc:Choice xmlns:p159="http://schemas.microsoft.com/office/powerpoint/2015/09/main" Requires="p159">
+      <p:transition xmlns:p14="http://schemas.microsoft.com/office/powerpoint/2010/main" spd="slow" p14:dur="2000">
+        <p159:morph option="byObject"/>
+      </p:transition>
+    </mc:Choice>
+    <mc:Fallback>
+      <p:transition spd="slow">
+        <p:fade/>
+      </p:transition>
+    </mc:Fallback>
+  </mc:AlternateContent>
 </p:sld>
 </file>
 
-<file path=ppt/slides/slide7.xml><?xml version="1.0" encoding="utf-8"?>
+<file path=ppt/slides/slide8.xml><?xml version="1.0" encoding="utf-8"?>
+<p:sld xmlns:a="http://schemas.openxmlformats.org/drawingml/2006/main" xmlns:r="http://schemas.openxmlformats.org/officeDocument/2006/relationships" xmlns:p="http://schemas.openxmlformats.org/presentationml/2006/main">
+  <p:cSld>
+    <p:spTree>
+      <p:nvGrpSpPr>
+        <p:cNvPr id="1" name=""/>
+        <p:cNvGrpSpPr/>
+        <p:nvPr/>
+      </p:nvGrpSpPr>
+      <p:grpSpPr>
+        <a:xfrm>
+          <a:off x="0" y="0"/>
+          <a:ext cx="0" cy="0"/>
+          <a:chOff x="0" y="0"/>
+          <a:chExt cx="0" cy="0"/>
+        </a:xfrm>
+      </p:grpSpPr>
+      <p:sp>
+        <p:nvSpPr>
+          <p:cNvPr id="2" name="Titre 1">
+            <a:extLst>
+              <a:ext uri="{FF2B5EF4-FFF2-40B4-BE49-F238E27FC236}">
+                <a16:creationId xmlns:a16="http://schemas.microsoft.com/office/drawing/2014/main" id="{B3440702-5949-4F74-BA11-ECF16C762033}"/>
+              </a:ext>
+            </a:extLst>
+          </p:cNvPr>
+          <p:cNvSpPr>
+            <a:spLocks noGrp="1"/>
+          </p:cNvSpPr>
+          <p:nvPr>
+            <p:ph type="title"/>
+          </p:nvPr>
+        </p:nvSpPr>
+        <p:spPr/>
+        <p:txBody>
+          <a:bodyPr/>
+          <a:lstStyle/>
+          <a:p>
+            <a:r>
+              <a:rPr lang="en-US" dirty="0" err="1"/>
+              <a:t>Jupyter</a:t>
+            </a:r>
+            <a:r>
+              <a:rPr lang="en-US" dirty="0"/>
+              <a:t> + </a:t>
+            </a:r>
+            <a:r>
+              <a:rPr lang="en-US" dirty="0" err="1"/>
+              <a:t>Ipywidgets</a:t>
+            </a:r>
+            <a:r>
+              <a:rPr lang="en-US" dirty="0"/>
+              <a:t> + Matplotlib</a:t>
+            </a:r>
+          </a:p>
+        </p:txBody>
+      </p:sp>
+      <p:sp>
+        <p:nvSpPr>
+          <p:cNvPr id="3" name="Espace réservé du contenu 2">
+            <a:extLst>
+              <a:ext uri="{FF2B5EF4-FFF2-40B4-BE49-F238E27FC236}">
+                <a16:creationId xmlns:a16="http://schemas.microsoft.com/office/drawing/2014/main" id="{A2D505E8-9B6E-4188-9CEF-FFB755AED837}"/>
+              </a:ext>
+            </a:extLst>
+          </p:cNvPr>
+          <p:cNvSpPr>
+            <a:spLocks noGrp="1"/>
+          </p:cNvSpPr>
+          <p:nvPr>
+            <p:ph sz="half" idx="1"/>
+          </p:nvPr>
+        </p:nvSpPr>
+        <p:spPr/>
+        <p:txBody>
+          <a:bodyPr>
+            <a:normAutofit/>
+          </a:bodyPr>
+          <a:lstStyle/>
+          <a:p>
+            <a:r>
+              <a:rPr lang="en-US" sz="2400" dirty="0"/>
+              <a:t>Python</a:t>
+            </a:r>
+          </a:p>
+          <a:p>
+            <a:r>
+              <a:rPr lang="en-US" sz="2400" dirty="0">
+                <a:latin typeface="JuliaMono" panose="020B0609060300020004" pitchFamily="49" charset="0"/>
+                <a:ea typeface="JuliaMono" panose="020B0609060300020004" pitchFamily="49" charset="0"/>
+                <a:cs typeface="JuliaMono" panose="020B0609060300020004" pitchFamily="49" charset="0"/>
+              </a:rPr>
+              <a:t>interact</a:t>
+            </a:r>
+            <a:r>
+              <a:rPr lang="en-US" sz="2400" dirty="0"/>
+              <a:t> function similar to Mathematica manipulate</a:t>
+            </a:r>
+          </a:p>
+          <a:p>
+            <a:r>
+              <a:rPr lang="en-US" sz="2400" dirty="0"/>
+              <a:t>Full fledge widget system</a:t>
+            </a:r>
+          </a:p>
+          <a:p>
+            <a:pPr marL="0" indent="0">
+              <a:buNone/>
+            </a:pPr>
+            <a:endParaRPr lang="en-US" sz="2400" dirty="0"/>
+          </a:p>
+          <a:p>
+            <a:endParaRPr lang="en-US" sz="2400" dirty="0"/>
+          </a:p>
+        </p:txBody>
+      </p:sp>
+      <p:pic>
+        <p:nvPicPr>
+          <p:cNvPr id="7" name="Espace réservé du contenu 6">
+            <a:extLst>
+              <a:ext uri="{FF2B5EF4-FFF2-40B4-BE49-F238E27FC236}">
+                <a16:creationId xmlns:a16="http://schemas.microsoft.com/office/drawing/2014/main" id="{FA34C184-DB20-4373-8938-DEB85ABB90D8}"/>
+              </a:ext>
+            </a:extLst>
+          </p:cNvPr>
+          <p:cNvPicPr>
+            <a:picLocks noGrp="1" noChangeAspect="1"/>
+          </p:cNvPicPr>
+          <p:nvPr>
+            <p:ph sz="half" idx="2"/>
+          </p:nvPr>
+        </p:nvPicPr>
+        <p:blipFill>
+          <a:blip r:embed="rId2"/>
+          <a:stretch>
+            <a:fillRect/>
+          </a:stretch>
+        </p:blipFill>
+        <p:spPr>
+          <a:xfrm>
+            <a:off x="4514850" y="952617"/>
+            <a:ext cx="3754855" cy="5607902"/>
+          </a:xfrm>
+        </p:spPr>
+      </p:pic>
+      <p:sp>
+        <p:nvSpPr>
+          <p:cNvPr id="5" name="Espace réservé du numéro de diapositive 4">
+            <a:extLst>
+              <a:ext uri="{FF2B5EF4-FFF2-40B4-BE49-F238E27FC236}">
+                <a16:creationId xmlns:a16="http://schemas.microsoft.com/office/drawing/2014/main" id="{21AD673B-AEE6-4030-98ED-742A23BF6624}"/>
+              </a:ext>
+            </a:extLst>
+          </p:cNvPr>
+          <p:cNvSpPr>
+            <a:spLocks noGrp="1"/>
+          </p:cNvSpPr>
+          <p:nvPr>
+            <p:ph type="sldNum" sz="quarter" idx="12"/>
+          </p:nvPr>
+        </p:nvSpPr>
+        <p:spPr/>
+        <p:txBody>
+          <a:bodyPr/>
+          <a:lstStyle/>
+          <a:p>
+            <a:fld id="{C7BFCD0E-475B-4F56-BC96-63AB66DBA93E}" type="slidenum">
+              <a:rPr lang="en-US" noProof="0" smtClean="0"/>
+              <a:t>8</a:t>
+            </a:fld>
+            <a:endParaRPr lang="en-US" noProof="0"/>
+          </a:p>
+        </p:txBody>
+      </p:sp>
+    </p:spTree>
+    <p:extLst>
+      <p:ext uri="{BB962C8B-B14F-4D97-AF65-F5344CB8AC3E}">
+        <p14:creationId xmlns:p14="http://schemas.microsoft.com/office/powerpoint/2010/main" val="3474490990"/>
+      </p:ext>
+    </p:extLst>
+  </p:cSld>
+  <p:clrMapOvr>
+    <a:masterClrMapping/>
+  </p:clrMapOvr>
+  <mc:AlternateContent xmlns:mc="http://schemas.openxmlformats.org/markup-compatibility/2006">
+    <mc:Choice xmlns:p159="http://schemas.microsoft.com/office/powerpoint/2015/09/main" Requires="p159">
+      <p:transition xmlns:p14="http://schemas.microsoft.com/office/powerpoint/2010/main" spd="slow" p14:dur="2000">
+        <p159:morph option="byObject"/>
+      </p:transition>
+    </mc:Choice>
+    <mc:Fallback>
+      <p:transition spd="slow">
+        <p:fade/>
+      </p:transition>
+    </mc:Fallback>
+  </mc:AlternateContent>
+</p:sld>
+</file>
+
+<file path=ppt/slides/slide9.xml><?xml version="1.0" encoding="utf-8"?>
 <p:sld xmlns:a="http://schemas.openxmlformats.org/drawingml/2006/main" xmlns:r="http://schemas.openxmlformats.org/officeDocument/2006/relationships" xmlns:p="http://schemas.openxmlformats.org/presentationml/2006/main">
   <p:cSld>
     <p:spTree>
@@ -10390,7 +11952,7 @@
           <a:p>
             <a:fld id="{C7BFCD0E-475B-4F56-BC96-63AB66DBA93E}" type="slidenum">
               <a:rPr lang="en-US" noProof="0" smtClean="0"/>
-              <a:t>7</a:t>
+              <a:t>9</a:t>
             </a:fld>
             <a:endParaRPr lang="en-US" noProof="0"/>
           </a:p>
@@ -10406,394 +11968,18 @@
   <p:clrMapOvr>
     <a:masterClrMapping/>
   </p:clrMapOvr>
-</p:sld>
-</file>
-
-<file path=ppt/slides/slide8.xml><?xml version="1.0" encoding="utf-8"?>
-<p:sld xmlns:a="http://schemas.openxmlformats.org/drawingml/2006/main" xmlns:r="http://schemas.openxmlformats.org/officeDocument/2006/relationships" xmlns:p="http://schemas.openxmlformats.org/presentationml/2006/main">
-  <p:cSld>
-    <p:spTree>
-      <p:nvGrpSpPr>
-        <p:cNvPr id="1" name=""/>
-        <p:cNvGrpSpPr/>
-        <p:nvPr/>
-      </p:nvGrpSpPr>
-      <p:grpSpPr>
-        <a:xfrm>
-          <a:off x="0" y="0"/>
-          <a:ext cx="0" cy="0"/>
-          <a:chOff x="0" y="0"/>
-          <a:chExt cx="0" cy="0"/>
-        </a:xfrm>
-      </p:grpSpPr>
-      <p:sp>
-        <p:nvSpPr>
-          <p:cNvPr id="2" name="Titre 1">
-            <a:extLst>
-              <a:ext uri="{FF2B5EF4-FFF2-40B4-BE49-F238E27FC236}">
-                <a16:creationId xmlns:a16="http://schemas.microsoft.com/office/drawing/2014/main" id="{B3440702-5949-4F74-BA11-ECF16C762033}"/>
-              </a:ext>
-            </a:extLst>
-          </p:cNvPr>
-          <p:cNvSpPr>
-            <a:spLocks noGrp="1"/>
-          </p:cNvSpPr>
-          <p:nvPr>
-            <p:ph type="title"/>
-          </p:nvPr>
-        </p:nvSpPr>
-        <p:spPr/>
-        <p:txBody>
-          <a:bodyPr/>
-          <a:lstStyle/>
-          <a:p>
-            <a:r>
-              <a:rPr lang="en-US" dirty="0" err="1"/>
-              <a:t>Jupyter</a:t>
-            </a:r>
-            <a:r>
-              <a:rPr lang="en-US" dirty="0"/>
-              <a:t> + </a:t>
-            </a:r>
-            <a:r>
-              <a:rPr lang="en-US" dirty="0" err="1"/>
-              <a:t>Ipywidgets</a:t>
-            </a:r>
-            <a:r>
-              <a:rPr lang="en-US" dirty="0"/>
-              <a:t> + Matplotlib</a:t>
-            </a:r>
-          </a:p>
-        </p:txBody>
-      </p:sp>
-      <p:sp>
-        <p:nvSpPr>
-          <p:cNvPr id="3" name="Espace réservé du contenu 2">
-            <a:extLst>
-              <a:ext uri="{FF2B5EF4-FFF2-40B4-BE49-F238E27FC236}">
-                <a16:creationId xmlns:a16="http://schemas.microsoft.com/office/drawing/2014/main" id="{A2D505E8-9B6E-4188-9CEF-FFB755AED837}"/>
-              </a:ext>
-            </a:extLst>
-          </p:cNvPr>
-          <p:cNvSpPr>
-            <a:spLocks noGrp="1"/>
-          </p:cNvSpPr>
-          <p:nvPr>
-            <p:ph sz="half" idx="1"/>
-          </p:nvPr>
-        </p:nvSpPr>
-        <p:spPr/>
-        <p:txBody>
-          <a:bodyPr>
-            <a:normAutofit/>
-          </a:bodyPr>
-          <a:lstStyle/>
-          <a:p>
-            <a:r>
-              <a:rPr lang="en-US" sz="2400" dirty="0"/>
-              <a:t>Python</a:t>
-            </a:r>
-          </a:p>
-          <a:p>
-            <a:r>
-              <a:rPr lang="en-US" sz="2400" dirty="0">
-                <a:latin typeface="JuliaMono" panose="020B0609060300020004" pitchFamily="49" charset="0"/>
-                <a:ea typeface="JuliaMono" panose="020B0609060300020004" pitchFamily="49" charset="0"/>
-                <a:cs typeface="JuliaMono" panose="020B0609060300020004" pitchFamily="49" charset="0"/>
-              </a:rPr>
-              <a:t>interact</a:t>
-            </a:r>
-            <a:r>
-              <a:rPr lang="en-US" sz="2400" dirty="0"/>
-              <a:t> function similar to Mathematica manipulate</a:t>
-            </a:r>
-          </a:p>
-          <a:p>
-            <a:r>
-              <a:rPr lang="en-US" sz="2400" dirty="0"/>
-              <a:t>Full fledge widget system</a:t>
-            </a:r>
-          </a:p>
-          <a:p>
-            <a:pPr marL="0" indent="0">
-              <a:buNone/>
-            </a:pPr>
-            <a:endParaRPr lang="en-US" sz="2400" dirty="0"/>
-          </a:p>
-          <a:p>
-            <a:endParaRPr lang="en-US" sz="2400" dirty="0"/>
-          </a:p>
-        </p:txBody>
-      </p:sp>
-      <p:pic>
-        <p:nvPicPr>
-          <p:cNvPr id="7" name="Espace réservé du contenu 6">
-            <a:extLst>
-              <a:ext uri="{FF2B5EF4-FFF2-40B4-BE49-F238E27FC236}">
-                <a16:creationId xmlns:a16="http://schemas.microsoft.com/office/drawing/2014/main" id="{FA34C184-DB20-4373-8938-DEB85ABB90D8}"/>
-              </a:ext>
-            </a:extLst>
-          </p:cNvPr>
-          <p:cNvPicPr>
-            <a:picLocks noGrp="1" noChangeAspect="1"/>
-          </p:cNvPicPr>
-          <p:nvPr>
-            <p:ph sz="half" idx="2"/>
-          </p:nvPr>
-        </p:nvPicPr>
-        <p:blipFill>
-          <a:blip r:embed="rId2"/>
-          <a:stretch>
-            <a:fillRect/>
-          </a:stretch>
-        </p:blipFill>
-        <p:spPr>
-          <a:xfrm>
-            <a:off x="4514850" y="952617"/>
-            <a:ext cx="3754855" cy="5607902"/>
-          </a:xfrm>
-        </p:spPr>
-      </p:pic>
-      <p:sp>
-        <p:nvSpPr>
-          <p:cNvPr id="5" name="Espace réservé du numéro de diapositive 4">
-            <a:extLst>
-              <a:ext uri="{FF2B5EF4-FFF2-40B4-BE49-F238E27FC236}">
-                <a16:creationId xmlns:a16="http://schemas.microsoft.com/office/drawing/2014/main" id="{21AD673B-AEE6-4030-98ED-742A23BF6624}"/>
-              </a:ext>
-            </a:extLst>
-          </p:cNvPr>
-          <p:cNvSpPr>
-            <a:spLocks noGrp="1"/>
-          </p:cNvSpPr>
-          <p:nvPr>
-            <p:ph type="sldNum" sz="quarter" idx="12"/>
-          </p:nvPr>
-        </p:nvSpPr>
-        <p:spPr/>
-        <p:txBody>
-          <a:bodyPr/>
-          <a:lstStyle/>
-          <a:p>
-            <a:fld id="{C7BFCD0E-475B-4F56-BC96-63AB66DBA93E}" type="slidenum">
-              <a:rPr lang="en-US" noProof="0" smtClean="0"/>
-              <a:t>8</a:t>
-            </a:fld>
-            <a:endParaRPr lang="en-US" noProof="0"/>
-          </a:p>
-        </p:txBody>
-      </p:sp>
-    </p:spTree>
-    <p:extLst>
-      <p:ext uri="{BB962C8B-B14F-4D97-AF65-F5344CB8AC3E}">
-        <p14:creationId xmlns:p14="http://schemas.microsoft.com/office/powerpoint/2010/main" val="3474490990"/>
-      </p:ext>
-    </p:extLst>
-  </p:cSld>
-  <p:clrMapOvr>
-    <a:masterClrMapping/>
-  </p:clrMapOvr>
-</p:sld>
-</file>
-
-<file path=ppt/slides/slide9.xml><?xml version="1.0" encoding="utf-8"?>
-<p:sld xmlns:a="http://schemas.openxmlformats.org/drawingml/2006/main" xmlns:r="http://schemas.openxmlformats.org/officeDocument/2006/relationships" xmlns:p="http://schemas.openxmlformats.org/presentationml/2006/main">
-  <p:cSld>
-    <p:spTree>
-      <p:nvGrpSpPr>
-        <p:cNvPr id="1" name=""/>
-        <p:cNvGrpSpPr/>
-        <p:nvPr/>
-      </p:nvGrpSpPr>
-      <p:grpSpPr>
-        <a:xfrm>
-          <a:off x="0" y="0"/>
-          <a:ext cx="0" cy="0"/>
-          <a:chOff x="0" y="0"/>
-          <a:chExt cx="0" cy="0"/>
-        </a:xfrm>
-      </p:grpSpPr>
-      <p:sp>
-        <p:nvSpPr>
-          <p:cNvPr id="2" name="Titre 1">
-            <a:extLst>
-              <a:ext uri="{FF2B5EF4-FFF2-40B4-BE49-F238E27FC236}">
-                <a16:creationId xmlns:a16="http://schemas.microsoft.com/office/drawing/2014/main" id="{B3440702-5949-4F74-BA11-ECF16C762033}"/>
-              </a:ext>
-            </a:extLst>
-          </p:cNvPr>
-          <p:cNvSpPr>
-            <a:spLocks noGrp="1"/>
-          </p:cNvSpPr>
-          <p:nvPr>
-            <p:ph type="title"/>
-          </p:nvPr>
-        </p:nvSpPr>
-        <p:spPr/>
-        <p:txBody>
-          <a:bodyPr>
-            <a:normAutofit fontScale="90000"/>
-          </a:bodyPr>
-          <a:lstStyle/>
-          <a:p>
-            <a:r>
-              <a:rPr lang="en-US" dirty="0"/>
-              <a:t>Plotting library with window support</a:t>
-            </a:r>
-          </a:p>
-        </p:txBody>
-      </p:sp>
-      <p:sp>
-        <p:nvSpPr>
-          <p:cNvPr id="3" name="Espace réservé du contenu 2">
-            <a:extLst>
-              <a:ext uri="{FF2B5EF4-FFF2-40B4-BE49-F238E27FC236}">
-                <a16:creationId xmlns:a16="http://schemas.microsoft.com/office/drawing/2014/main" id="{A2D505E8-9B6E-4188-9CEF-FFB755AED837}"/>
-              </a:ext>
-            </a:extLst>
-          </p:cNvPr>
-          <p:cNvSpPr>
-            <a:spLocks noGrp="1"/>
-          </p:cNvSpPr>
-          <p:nvPr>
-            <p:ph sz="half" idx="1"/>
-          </p:nvPr>
-        </p:nvSpPr>
-        <p:spPr/>
-        <p:txBody>
-          <a:bodyPr>
-            <a:normAutofit/>
-          </a:bodyPr>
-          <a:lstStyle/>
-          <a:p>
-            <a:r>
-              <a:rPr lang="en-US" sz="2400" dirty="0"/>
-              <a:t>Matplotlib, </a:t>
-            </a:r>
-            <a:r>
-              <a:rPr lang="en-US" sz="2400" dirty="0" err="1"/>
-              <a:t>Makie.jl</a:t>
-            </a:r>
-            <a:endParaRPr lang="en-US" sz="2400" dirty="0"/>
-          </a:p>
-          <a:p>
-            <a:r>
-              <a:rPr lang="en-US" sz="2400" dirty="0"/>
-              <a:t>Full fledge widget system</a:t>
-            </a:r>
-          </a:p>
-          <a:p>
-            <a:r>
-              <a:rPr lang="en-US" sz="2400" dirty="0"/>
-              <a:t>Extensive event handling (e.g. selection of plot elements)</a:t>
-            </a:r>
-          </a:p>
-          <a:p>
-            <a:endParaRPr lang="en-US" sz="2400" dirty="0"/>
-          </a:p>
-          <a:p>
-            <a:endParaRPr lang="en-US" sz="2400" dirty="0"/>
-          </a:p>
-        </p:txBody>
-      </p:sp>
-      <p:pic>
-        <p:nvPicPr>
-          <p:cNvPr id="7" name="Espace réservé du contenu 6">
-            <a:extLst>
-              <a:ext uri="{FF2B5EF4-FFF2-40B4-BE49-F238E27FC236}">
-                <a16:creationId xmlns:a16="http://schemas.microsoft.com/office/drawing/2014/main" id="{5BCACB2F-C411-4682-8156-1622A79307CC}"/>
-              </a:ext>
-            </a:extLst>
-          </p:cNvPr>
-          <p:cNvPicPr>
-            <a:picLocks noGrp="1" noChangeAspect="1"/>
-          </p:cNvPicPr>
-          <p:nvPr>
-            <p:ph sz="half" idx="2"/>
-          </p:nvPr>
-        </p:nvPicPr>
-        <p:blipFill>
-          <a:blip r:embed="rId2"/>
-          <a:stretch>
-            <a:fillRect/>
-          </a:stretch>
-        </p:blipFill>
-        <p:spPr>
-          <a:xfrm>
-            <a:off x="4799697" y="1089114"/>
-            <a:ext cx="3316505" cy="2830842"/>
-          </a:xfrm>
-        </p:spPr>
-      </p:pic>
-      <p:sp>
-        <p:nvSpPr>
-          <p:cNvPr id="5" name="Espace réservé du numéro de diapositive 4">
-            <a:extLst>
-              <a:ext uri="{FF2B5EF4-FFF2-40B4-BE49-F238E27FC236}">
-                <a16:creationId xmlns:a16="http://schemas.microsoft.com/office/drawing/2014/main" id="{21AD673B-AEE6-4030-98ED-742A23BF6624}"/>
-              </a:ext>
-            </a:extLst>
-          </p:cNvPr>
-          <p:cNvSpPr>
-            <a:spLocks noGrp="1"/>
-          </p:cNvSpPr>
-          <p:nvPr>
-            <p:ph type="sldNum" sz="quarter" idx="12"/>
-          </p:nvPr>
-        </p:nvSpPr>
-        <p:spPr/>
-        <p:txBody>
-          <a:bodyPr/>
-          <a:lstStyle/>
-          <a:p>
-            <a:fld id="{C7BFCD0E-475B-4F56-BC96-63AB66DBA93E}" type="slidenum">
-              <a:rPr lang="en-US" noProof="0" smtClean="0"/>
-              <a:t>9</a:t>
-            </a:fld>
-            <a:endParaRPr lang="en-US" noProof="0"/>
-          </a:p>
-        </p:txBody>
-      </p:sp>
-      <p:pic>
-        <p:nvPicPr>
-          <p:cNvPr id="9" name="Image 8">
-            <a:extLst>
-              <a:ext uri="{FF2B5EF4-FFF2-40B4-BE49-F238E27FC236}">
-                <a16:creationId xmlns:a16="http://schemas.microsoft.com/office/drawing/2014/main" id="{7EC1942B-09D6-4D9E-AE0F-4D04A25E30C1}"/>
-              </a:ext>
-            </a:extLst>
-          </p:cNvPr>
-          <p:cNvPicPr>
-            <a:picLocks noChangeAspect="1"/>
-          </p:cNvPicPr>
-          <p:nvPr/>
-        </p:nvPicPr>
-        <p:blipFill>
-          <a:blip r:embed="rId3"/>
-          <a:stretch>
-            <a:fillRect/>
-          </a:stretch>
-        </p:blipFill>
-        <p:spPr>
-          <a:xfrm>
-            <a:off x="4799697" y="3912488"/>
-            <a:ext cx="3316504" cy="2656462"/>
-          </a:xfrm>
-          <a:prstGeom prst="rect">
-            <a:avLst/>
-          </a:prstGeom>
-        </p:spPr>
-      </p:pic>
-    </p:spTree>
-    <p:extLst>
-      <p:ext uri="{BB962C8B-B14F-4D97-AF65-F5344CB8AC3E}">
-        <p14:creationId xmlns:p14="http://schemas.microsoft.com/office/powerpoint/2010/main" val="2768817044"/>
-      </p:ext>
-    </p:extLst>
-  </p:cSld>
-  <p:clrMapOvr>
-    <a:masterClrMapping/>
-  </p:clrMapOvr>
+  <mc:AlternateContent xmlns:mc="http://schemas.openxmlformats.org/markup-compatibility/2006">
+    <mc:Choice xmlns:p159="http://schemas.microsoft.com/office/powerpoint/2015/09/main" Requires="p159">
+      <p:transition xmlns:p14="http://schemas.microsoft.com/office/powerpoint/2010/main" spd="slow" p14:dur="2000">
+        <p159:morph option="byObject"/>
+      </p:transition>
+    </mc:Choice>
+    <mc:Fallback>
+      <p:transition spd="slow">
+        <p:fade/>
+      </p:transition>
+    </mc:Fallback>
+  </mc:AlternateContent>
 </p:sld>
 </file>
 
